--- a/Hotel Bookind Demand.pptx
+++ b/Hotel Bookind Demand.pptx
@@ -258,7 +258,7 @@
             <a:pPr rtl="0"/>
             <a:fld id="{33E7E9E9-0A43-43D2-BA67-AF5AA2B4BC3E}" type="datetime1">
               <a:rPr lang="it-IT" smtClean="0"/>
-              <a:t>21/05/2021</a:t>
+              <a:t>22/05/2021</a:t>
             </a:fld>
             <a:endParaRPr lang="it-IT"/>
           </a:p>
@@ -440,7 +440,7 @@
             <a:fld id="{EE70F376-58E9-4C6B-BFD3-292CA03A8C86}" type="datetime1">
               <a:rPr lang="it-IT" smtClean="0"/>
               <a:pPr/>
-              <a:t>21/05/2021</a:t>
+              <a:t>22/05/2021</a:t>
             </a:fld>
             <a:endParaRPr lang="it-IT" dirty="0"/>
           </a:p>
@@ -9979,7 +9979,7 @@
                 <a:effectLst/>
                 <a:latin typeface="Century" panose="02040604050505020304" pitchFamily="18" charset="0"/>
               </a:rPr>
-              <a:t>For the variable with 94% missing values ​​it was decided to delete it. For the other two variables it was decided to replace the missing values ​​with the average of the data trend.</a:t>
+              <a:t>For the variable with 94% missing values, ​​it was decided to delete it. For the other two variables it was decided to replace the missing values ​​with the average of the data trend.</a:t>
             </a:r>
             <a:endParaRPr lang="it-IT" sz="1600" dirty="0">
               <a:latin typeface="Century" panose="02040604050505020304" pitchFamily="18" charset="0"/>
@@ -15984,21 +15984,21 @@
 </file>
 
 <file path=customXml/item1.xml><?xml version="1.0" encoding="utf-8"?>
+<p:properties xmlns:p="http://schemas.microsoft.com/office/2006/metadata/properties" xmlns:xsi="http://www.w3.org/2001/XMLSchema-instance" xmlns:pc="http://schemas.microsoft.com/office/infopath/2007/PartnerControls">
+  <documentManagement>
+    <Status xmlns="71af3243-3dd4-4a8d-8c0d-dd76da1f02a5">Not started</Status>
+    <MediaServiceKeyPoints xmlns="71af3243-3dd4-4a8d-8c0d-dd76da1f02a5" xsi:nil="true"/>
+  </documentManagement>
+</p:properties>
+</file>
+
+<file path=customXml/item2.xml><?xml version="1.0" encoding="utf-8"?>
 <?mso-contentType ?>
 <FormTemplates xmlns="http://schemas.microsoft.com/sharepoint/v3/contenttype/forms">
   <Display>DocumentLibraryForm</Display>
   <Edit>DocumentLibraryForm</Edit>
   <New>DocumentLibraryForm</New>
 </FormTemplates>
-</file>
-
-<file path=customXml/item2.xml><?xml version="1.0" encoding="utf-8"?>
-<p:properties xmlns:p="http://schemas.microsoft.com/office/2006/metadata/properties" xmlns:xsi="http://www.w3.org/2001/XMLSchema-instance" xmlns:pc="http://schemas.microsoft.com/office/infopath/2007/PartnerControls">
-  <documentManagement>
-    <Status xmlns="71af3243-3dd4-4a8d-8c0d-dd76da1f02a5">Not started</Status>
-    <MediaServiceKeyPoints xmlns="71af3243-3dd4-4a8d-8c0d-dd76da1f02a5" xsi:nil="true"/>
-  </documentManagement>
-</p:properties>
 </file>
 
 <file path=customXml/item3.xml><?xml version="1.0" encoding="utf-8"?>
@@ -16223,19 +16223,19 @@
 </file>
 
 <file path=customXml/itemProps1.xml><?xml version="1.0" encoding="utf-8"?>
-<ds:datastoreItem xmlns:ds="http://schemas.openxmlformats.org/officeDocument/2006/customXml" ds:itemID="{05D99ABA-76CE-4A8E-B5F0-C051B96628DE}">
+<ds:datastoreItem xmlns:ds="http://schemas.openxmlformats.org/officeDocument/2006/customXml" ds:itemID="{4DEA9014-ED64-4558-B1E1-D03F0EE32BEB}">
   <ds:schemaRefs>
-    <ds:schemaRef ds:uri="http://schemas.microsoft.com/sharepoint/v3/contenttype/forms"/>
+    <ds:schemaRef ds:uri="http://schemas.microsoft.com/office/2006/metadata/properties"/>
+    <ds:schemaRef ds:uri="http://schemas.microsoft.com/office/infopath/2007/PartnerControls"/>
+    <ds:schemaRef ds:uri="71af3243-3dd4-4a8d-8c0d-dd76da1f02a5"/>
   </ds:schemaRefs>
 </ds:datastoreItem>
 </file>
 
 <file path=customXml/itemProps2.xml><?xml version="1.0" encoding="utf-8"?>
-<ds:datastoreItem xmlns:ds="http://schemas.openxmlformats.org/officeDocument/2006/customXml" ds:itemID="{4DEA9014-ED64-4558-B1E1-D03F0EE32BEB}">
+<ds:datastoreItem xmlns:ds="http://schemas.openxmlformats.org/officeDocument/2006/customXml" ds:itemID="{05D99ABA-76CE-4A8E-B5F0-C051B96628DE}">
   <ds:schemaRefs>
-    <ds:schemaRef ds:uri="http://schemas.microsoft.com/office/2006/metadata/properties"/>
-    <ds:schemaRef ds:uri="http://schemas.microsoft.com/office/infopath/2007/PartnerControls"/>
-    <ds:schemaRef ds:uri="71af3243-3dd4-4a8d-8c0d-dd76da1f02a5"/>
+    <ds:schemaRef ds:uri="http://schemas.microsoft.com/sharepoint/v3/contenttype/forms"/>
   </ds:schemaRefs>
 </ds:datastoreItem>
 </file>

--- a/Hotel Bookind Demand.pptx
+++ b/Hotel Bookind Demand.pptx
@@ -258,7 +258,7 @@
             <a:pPr rtl="0"/>
             <a:fld id="{33E7E9E9-0A43-43D2-BA67-AF5AA2B4BC3E}" type="datetime1">
               <a:rPr lang="it-IT" smtClean="0"/>
-              <a:t>22/05/2021</a:t>
+              <a:t>24/05/2021</a:t>
             </a:fld>
             <a:endParaRPr lang="it-IT"/>
           </a:p>
@@ -440,7 +440,7 @@
             <a:fld id="{EE70F376-58E9-4C6B-BFD3-292CA03A8C86}" type="datetime1">
               <a:rPr lang="it-IT" smtClean="0"/>
               <a:pPr/>
-              <a:t>22/05/2021</a:t>
+              <a:t>24/05/2021</a:t>
             </a:fld>
             <a:endParaRPr lang="it-IT" dirty="0"/>
           </a:p>
@@ -10619,7 +10619,7 @@
           <p:nvPr>
             <p:extLst>
               <p:ext uri="{D42A27DB-BD31-4B8C-83A1-F6EECF244321}">
-                <p14:modId xmlns:p14="http://schemas.microsoft.com/office/powerpoint/2010/main" val="956766192"/>
+                <p14:modId xmlns:p14="http://schemas.microsoft.com/office/powerpoint/2010/main" val="3110324738"/>
               </p:ext>
             </p:extLst>
           </p:nvPr>
@@ -10739,7 +10739,7 @@
                       <a:pPr algn="ctr"/>
                       <a:r>
                         <a:rPr lang="it-IT" dirty="0"/>
-                        <a:t>0,850</a:t>
+                        <a:t>0,84</a:t>
                       </a:r>
                     </a:p>
                   </a:txBody>
@@ -10753,7 +10753,7 @@
                       <a:pPr algn="ctr"/>
                       <a:r>
                         <a:rPr lang="it-IT" dirty="0"/>
-                        <a:t>2 sec</a:t>
+                        <a:t>1 sec</a:t>
                       </a:r>
                     </a:p>
                   </a:txBody>
@@ -10792,7 +10792,7 @@
                       <a:pPr algn="ctr"/>
                       <a:r>
                         <a:rPr lang="it-IT" dirty="0"/>
-                        <a:t>0,885</a:t>
+                        <a:t>0,87</a:t>
                       </a:r>
                     </a:p>
                   </a:txBody>
@@ -10806,7 +10806,7 @@
                       <a:pPr algn="ctr"/>
                       <a:r>
                         <a:rPr lang="it-IT" dirty="0"/>
-                        <a:t>19 sec</a:t>
+                        <a:t>12 sec</a:t>
                       </a:r>
                     </a:p>
                   </a:txBody>
@@ -10857,7 +10857,7 @@
                       <a:pPr algn="ctr"/>
                       <a:r>
                         <a:rPr lang="it-IT" dirty="0"/>
-                        <a:t>0,864</a:t>
+                        <a:t>0,86</a:t>
                       </a:r>
                     </a:p>
                   </a:txBody>
@@ -10871,7 +10871,7 @@
                       <a:pPr algn="ctr"/>
                       <a:r>
                         <a:rPr lang="it-IT" dirty="0"/>
-                        <a:t>5 sec</a:t>
+                        <a:t>4 sec</a:t>
                       </a:r>
                     </a:p>
                   </a:txBody>
@@ -10918,7 +10918,7 @@
                       <a:pPr algn="ctr"/>
                       <a:r>
                         <a:rPr lang="it-IT" dirty="0"/>
-                        <a:t>0,860</a:t>
+                        <a:t>0,85</a:t>
                       </a:r>
                     </a:p>
                   </a:txBody>
@@ -11689,7 +11689,7 @@
                   <a:srgbClr val="202124"/>
                 </a:solidFill>
               </a:rPr>
-              <a:t>Run Time: 5 sec</a:t>
+              <a:t>Run Time: 4 sec</a:t>
             </a:r>
             <a:endParaRPr lang="it-IT" sz="1400" b="1" dirty="0">
               <a:solidFill>
@@ -11848,7 +11848,7 @@
                   <a:srgbClr val="202124"/>
                 </a:solidFill>
               </a:rPr>
-              <a:t> Time: 96 sec</a:t>
+              <a:t> Time: 105 sec</a:t>
             </a:r>
           </a:p>
         </p:txBody>
@@ -12003,7 +12003,7 @@
                   <a:srgbClr val="202124"/>
                 </a:solidFill>
               </a:rPr>
-              <a:t> (0,3)</a:t>
+              <a:t> (0,1)</a:t>
             </a:r>
           </a:p>
           <a:p>
@@ -12083,7 +12083,7 @@
                   <a:srgbClr val="202124"/>
                 </a:solidFill>
               </a:rPr>
-              <a:t> Time: 3 sec</a:t>
+              <a:t> Time: 13 sec</a:t>
             </a:r>
           </a:p>
         </p:txBody>
@@ -12210,7 +12210,7 @@
                   <a:srgbClr val="202124"/>
                 </a:solidFill>
               </a:rPr>
-              <a:t>: 0,90</a:t>
+              <a:t>: 0,89</a:t>
             </a:r>
           </a:p>
           <a:p>
@@ -12236,7 +12236,7 @@
                   <a:srgbClr val="202124"/>
                 </a:solidFill>
               </a:rPr>
-              <a:t> Time: 6 sec</a:t>
+              <a:t> Time: 2 sec</a:t>
             </a:r>
           </a:p>
         </p:txBody>
@@ -14233,7 +14233,7 @@
         <p:spPr>
           <a:xfrm>
             <a:off x="8483600" y="3028511"/>
-            <a:ext cx="2870200" cy="1754983"/>
+            <a:ext cx="2870200" cy="2324539"/>
           </a:xfrm>
           <a:prstGeom prst="rect">
             <a:avLst/>
@@ -14435,7 +14435,22 @@
               </a:rPr>
               <a:t>Here we’ve the cancellation rate of all the dataset. It can be understood that there are a lot of uncanceled booking and that, maybe, we will have to balance the target class.</a:t>
             </a:r>
-            <a:endParaRPr lang="it-IT" sz="1600" dirty="0">
+          </a:p>
+          <a:p>
+            <a:pPr marL="0" indent="0" algn="just">
+              <a:buFont typeface="Arial" panose="020B0604020202020204" pitchFamily="34" charset="0"/>
+              <a:buNone/>
+            </a:pPr>
+            <a:r>
+              <a:rPr lang="en-US" sz="1600" b="1" dirty="0">
+                <a:solidFill>
+                  <a:srgbClr val="202124"/>
+                </a:solidFill>
+                <a:latin typeface="Century" panose="02040604050505020304" pitchFamily="18" charset="0"/>
+              </a:rPr>
+              <a:t>We decided to balance the classes.</a:t>
+            </a:r>
+            <a:endParaRPr lang="it-IT" sz="1600" b="1" dirty="0">
               <a:latin typeface="Century" panose="02040604050505020304" pitchFamily="18" charset="0"/>
             </a:endParaRPr>
           </a:p>
@@ -15984,21 +15999,21 @@
 </file>
 
 <file path=customXml/item1.xml><?xml version="1.0" encoding="utf-8"?>
+<?mso-contentType ?>
+<FormTemplates xmlns="http://schemas.microsoft.com/sharepoint/v3/contenttype/forms">
+  <Display>DocumentLibraryForm</Display>
+  <Edit>DocumentLibraryForm</Edit>
+  <New>DocumentLibraryForm</New>
+</FormTemplates>
+</file>
+
+<file path=customXml/item2.xml><?xml version="1.0" encoding="utf-8"?>
 <p:properties xmlns:p="http://schemas.microsoft.com/office/2006/metadata/properties" xmlns:xsi="http://www.w3.org/2001/XMLSchema-instance" xmlns:pc="http://schemas.microsoft.com/office/infopath/2007/PartnerControls">
   <documentManagement>
     <Status xmlns="71af3243-3dd4-4a8d-8c0d-dd76da1f02a5">Not started</Status>
     <MediaServiceKeyPoints xmlns="71af3243-3dd4-4a8d-8c0d-dd76da1f02a5" xsi:nil="true"/>
   </documentManagement>
 </p:properties>
-</file>
-
-<file path=customXml/item2.xml><?xml version="1.0" encoding="utf-8"?>
-<?mso-contentType ?>
-<FormTemplates xmlns="http://schemas.microsoft.com/sharepoint/v3/contenttype/forms">
-  <Display>DocumentLibraryForm</Display>
-  <Edit>DocumentLibraryForm</Edit>
-  <New>DocumentLibraryForm</New>
-</FormTemplates>
 </file>
 
 <file path=customXml/item3.xml><?xml version="1.0" encoding="utf-8"?>
@@ -16223,19 +16238,19 @@
 </file>
 
 <file path=customXml/itemProps1.xml><?xml version="1.0" encoding="utf-8"?>
+<ds:datastoreItem xmlns:ds="http://schemas.openxmlformats.org/officeDocument/2006/customXml" ds:itemID="{05D99ABA-76CE-4A8E-B5F0-C051B96628DE}">
+  <ds:schemaRefs>
+    <ds:schemaRef ds:uri="http://schemas.microsoft.com/sharepoint/v3/contenttype/forms"/>
+  </ds:schemaRefs>
+</ds:datastoreItem>
+</file>
+
+<file path=customXml/itemProps2.xml><?xml version="1.0" encoding="utf-8"?>
 <ds:datastoreItem xmlns:ds="http://schemas.openxmlformats.org/officeDocument/2006/customXml" ds:itemID="{4DEA9014-ED64-4558-B1E1-D03F0EE32BEB}">
   <ds:schemaRefs>
     <ds:schemaRef ds:uri="http://schemas.microsoft.com/office/2006/metadata/properties"/>
     <ds:schemaRef ds:uri="http://schemas.microsoft.com/office/infopath/2007/PartnerControls"/>
     <ds:schemaRef ds:uri="71af3243-3dd4-4a8d-8c0d-dd76da1f02a5"/>
-  </ds:schemaRefs>
-</ds:datastoreItem>
-</file>
-
-<file path=customXml/itemProps2.xml><?xml version="1.0" encoding="utf-8"?>
-<ds:datastoreItem xmlns:ds="http://schemas.openxmlformats.org/officeDocument/2006/customXml" ds:itemID="{05D99ABA-76CE-4A8E-B5F0-C051B96628DE}">
-  <ds:schemaRefs>
-    <ds:schemaRef ds:uri="http://schemas.microsoft.com/sharepoint/v3/contenttype/forms"/>
   </ds:schemaRefs>
 </ds:datastoreItem>
 </file>

--- a/Hotel Bookind Demand.pptx
+++ b/Hotel Bookind Demand.pptx
@@ -5,28 +5,29 @@
     <p:sldMasterId id="2147483648" r:id="rId4"/>
   </p:sldMasterIdLst>
   <p:notesMasterIdLst>
-    <p:notesMasterId r:id="rId21"/>
+    <p:notesMasterId r:id="rId22"/>
   </p:notesMasterIdLst>
   <p:handoutMasterIdLst>
-    <p:handoutMasterId r:id="rId22"/>
+    <p:handoutMasterId r:id="rId23"/>
   </p:handoutMasterIdLst>
   <p:sldIdLst>
     <p:sldId id="324" r:id="rId5"/>
-    <p:sldId id="302" r:id="rId6"/>
-    <p:sldId id="315" r:id="rId7"/>
-    <p:sldId id="327" r:id="rId8"/>
+    <p:sldId id="336" r:id="rId6"/>
+    <p:sldId id="337" r:id="rId7"/>
+    <p:sldId id="338" r:id="rId8"/>
     <p:sldId id="325" r:id="rId9"/>
-    <p:sldId id="294" r:id="rId10"/>
-    <p:sldId id="333" r:id="rId11"/>
-    <p:sldId id="334" r:id="rId12"/>
-    <p:sldId id="335" r:id="rId13"/>
-    <p:sldId id="295" r:id="rId14"/>
-    <p:sldId id="329" r:id="rId15"/>
-    <p:sldId id="330" r:id="rId16"/>
-    <p:sldId id="331" r:id="rId17"/>
-    <p:sldId id="314" r:id="rId18"/>
-    <p:sldId id="332" r:id="rId19"/>
-    <p:sldId id="326" r:id="rId20"/>
+    <p:sldId id="339" r:id="rId10"/>
+    <p:sldId id="340" r:id="rId11"/>
+    <p:sldId id="333" r:id="rId12"/>
+    <p:sldId id="334" r:id="rId13"/>
+    <p:sldId id="335" r:id="rId14"/>
+    <p:sldId id="295" r:id="rId15"/>
+    <p:sldId id="329" r:id="rId16"/>
+    <p:sldId id="330" r:id="rId17"/>
+    <p:sldId id="331" r:id="rId18"/>
+    <p:sldId id="314" r:id="rId19"/>
+    <p:sldId id="332" r:id="rId20"/>
+    <p:sldId id="326" r:id="rId21"/>
   </p:sldIdLst>
   <p:sldSz cx="12192000" cy="6858000"/>
   <p:notesSz cx="6858000" cy="9144000"/>
@@ -872,7 +873,7 @@
     </p:spTree>
     <p:extLst>
       <p:ext uri="{BB962C8B-B14F-4D97-AF65-F5344CB8AC3E}">
-        <p14:creationId xmlns:p14="http://schemas.microsoft.com/office/powerpoint/2010/main" val="990978821"/>
+        <p14:creationId xmlns:p14="http://schemas.microsoft.com/office/powerpoint/2010/main" val="3406993507"/>
       </p:ext>
     </p:extLst>
   </p:cSld>
@@ -957,7 +958,7 @@
     </p:spTree>
     <p:extLst>
       <p:ext uri="{BB962C8B-B14F-4D97-AF65-F5344CB8AC3E}">
-        <p14:creationId xmlns:p14="http://schemas.microsoft.com/office/powerpoint/2010/main" val="4154435053"/>
+        <p14:creationId xmlns:p14="http://schemas.microsoft.com/office/powerpoint/2010/main" val="990978821"/>
       </p:ext>
     </p:extLst>
   </p:cSld>
@@ -1042,7 +1043,7 @@
     </p:spTree>
     <p:extLst>
       <p:ext uri="{BB962C8B-B14F-4D97-AF65-F5344CB8AC3E}">
-        <p14:creationId xmlns:p14="http://schemas.microsoft.com/office/powerpoint/2010/main" val="3790428863"/>
+        <p14:creationId xmlns:p14="http://schemas.microsoft.com/office/powerpoint/2010/main" val="4154435053"/>
       </p:ext>
     </p:extLst>
   </p:cSld>
@@ -1127,7 +1128,7 @@
     </p:spTree>
     <p:extLst>
       <p:ext uri="{BB962C8B-B14F-4D97-AF65-F5344CB8AC3E}">
-        <p14:creationId xmlns:p14="http://schemas.microsoft.com/office/powerpoint/2010/main" val="1953958954"/>
+        <p14:creationId xmlns:p14="http://schemas.microsoft.com/office/powerpoint/2010/main" val="3790428863"/>
       </p:ext>
     </p:extLst>
   </p:cSld>
@@ -1178,10 +1179,9 @@
         </p:nvSpPr>
         <p:spPr/>
         <p:txBody>
-          <a:bodyPr rtlCol="0"/>
+          <a:bodyPr/>
           <a:lstStyle/>
           <a:p>
-            <a:pPr rtl="0"/>
             <a:endParaRPr lang="it-IT"/>
           </a:p>
         </p:txBody>
@@ -1198,7 +1198,7 @@
         </p:nvSpPr>
         <p:spPr/>
         <p:txBody>
-          <a:bodyPr rtlCol="0"/>
+          <a:bodyPr/>
           <a:lstStyle/>
           <a:p>
             <a:pPr rtl="0"/>
@@ -1213,7 +1213,7 @@
     </p:spTree>
     <p:extLst>
       <p:ext uri="{BB962C8B-B14F-4D97-AF65-F5344CB8AC3E}">
-        <p14:creationId xmlns:p14="http://schemas.microsoft.com/office/powerpoint/2010/main" val="4165856238"/>
+        <p14:creationId xmlns:p14="http://schemas.microsoft.com/office/powerpoint/2010/main" val="1953958954"/>
       </p:ext>
     </p:extLst>
   </p:cSld>
@@ -1264,9 +1264,10 @@
         </p:nvSpPr>
         <p:spPr/>
         <p:txBody>
-          <a:bodyPr/>
+          <a:bodyPr rtlCol="0"/>
           <a:lstStyle/>
           <a:p>
+            <a:pPr rtl="0"/>
             <a:endParaRPr lang="it-IT"/>
           </a:p>
         </p:txBody>
@@ -1283,7 +1284,7 @@
         </p:nvSpPr>
         <p:spPr/>
         <p:txBody>
-          <a:bodyPr/>
+          <a:bodyPr rtlCol="0"/>
           <a:lstStyle/>
           <a:p>
             <a:pPr rtl="0"/>
@@ -1298,7 +1299,7 @@
     </p:spTree>
     <p:extLst>
       <p:ext uri="{BB962C8B-B14F-4D97-AF65-F5344CB8AC3E}">
-        <p14:creationId xmlns:p14="http://schemas.microsoft.com/office/powerpoint/2010/main" val="4114847686"/>
+        <p14:creationId xmlns:p14="http://schemas.microsoft.com/office/powerpoint/2010/main" val="4165856238"/>
       </p:ext>
     </p:extLst>
   </p:cSld>
@@ -1375,6 +1376,91 @@
             <a:fld id="{8530193B-564F-4854-8A52-728F3FB19C85}" type="slidenum">
               <a:rPr lang="it-IT" smtClean="0"/>
               <a:t>16</a:t>
+            </a:fld>
+            <a:endParaRPr lang="it-IT"/>
+          </a:p>
+        </p:txBody>
+      </p:sp>
+    </p:spTree>
+    <p:extLst>
+      <p:ext uri="{BB962C8B-B14F-4D97-AF65-F5344CB8AC3E}">
+        <p14:creationId xmlns:p14="http://schemas.microsoft.com/office/powerpoint/2010/main" val="4114847686"/>
+      </p:ext>
+    </p:extLst>
+  </p:cSld>
+  <p:clrMapOvr>
+    <a:masterClrMapping/>
+  </p:clrMapOvr>
+</p:notes>
+</file>
+
+<file path=ppt/notesSlides/notesSlide17.xml><?xml version="1.0" encoding="utf-8"?>
+<p:notes xmlns:a="http://schemas.openxmlformats.org/drawingml/2006/main" xmlns:r="http://schemas.openxmlformats.org/officeDocument/2006/relationships" xmlns:p="http://schemas.openxmlformats.org/presentationml/2006/main">
+  <p:cSld>
+    <p:spTree>
+      <p:nvGrpSpPr>
+        <p:cNvPr id="1" name=""/>
+        <p:cNvGrpSpPr/>
+        <p:nvPr/>
+      </p:nvGrpSpPr>
+      <p:grpSpPr>
+        <a:xfrm>
+          <a:off x="0" y="0"/>
+          <a:ext cx="0" cy="0"/>
+          <a:chOff x="0" y="0"/>
+          <a:chExt cx="0" cy="0"/>
+        </a:xfrm>
+      </p:grpSpPr>
+      <p:sp>
+        <p:nvSpPr>
+          <p:cNvPr id="2" name="Segnaposto immagine diapositiva 1"/>
+          <p:cNvSpPr>
+            <a:spLocks noGrp="1" noRot="1" noChangeAspect="1"/>
+          </p:cNvSpPr>
+          <p:nvPr>
+            <p:ph type="sldImg"/>
+          </p:nvPr>
+        </p:nvSpPr>
+        <p:spPr/>
+      </p:sp>
+      <p:sp>
+        <p:nvSpPr>
+          <p:cNvPr id="3" name="Segnaposto note 2"/>
+          <p:cNvSpPr>
+            <a:spLocks noGrp="1"/>
+          </p:cNvSpPr>
+          <p:nvPr>
+            <p:ph type="body" idx="1"/>
+          </p:nvPr>
+        </p:nvSpPr>
+        <p:spPr/>
+        <p:txBody>
+          <a:bodyPr/>
+          <a:lstStyle/>
+          <a:p>
+            <a:endParaRPr lang="it-IT"/>
+          </a:p>
+        </p:txBody>
+      </p:sp>
+      <p:sp>
+        <p:nvSpPr>
+          <p:cNvPr id="4" name="Segnaposto numero diapositiva 3"/>
+          <p:cNvSpPr>
+            <a:spLocks noGrp="1"/>
+          </p:cNvSpPr>
+          <p:nvPr>
+            <p:ph type="sldNum" sz="quarter" idx="5"/>
+          </p:nvPr>
+        </p:nvSpPr>
+        <p:spPr/>
+        <p:txBody>
+          <a:bodyPr/>
+          <a:lstStyle/>
+          <a:p>
+            <a:pPr rtl="0"/>
+            <a:fld id="{8530193B-564F-4854-8A52-728F3FB19C85}" type="slidenum">
+              <a:rPr lang="it-IT" smtClean="0"/>
+              <a:t>17</a:t>
             </a:fld>
             <a:endParaRPr lang="it-IT"/>
           </a:p>
@@ -1457,12 +1543,71 @@
           <a:bodyPr rtlCol="0"/>
           <a:lstStyle/>
           <a:p>
-            <a:pPr rtl="0"/>
+            <a:pPr marL="0" marR="0" lvl="0" indent="0" algn="r" defTabSz="914400" rtl="0" eaLnBrk="1" fontAlgn="auto" latinLnBrk="0" hangingPunct="1">
+              <a:lnSpc>
+                <a:spcPct val="100000"/>
+              </a:lnSpc>
+              <a:spcBef>
+                <a:spcPts val="0"/>
+              </a:spcBef>
+              <a:spcAft>
+                <a:spcPts val="0"/>
+              </a:spcAft>
+              <a:buClrTx/>
+              <a:buSzTx/>
+              <a:buFontTx/>
+              <a:buNone/>
+              <a:tabLst/>
+              <a:defRPr/>
+            </a:pPr>
             <a:fld id="{8530193B-564F-4854-8A52-728F3FB19C85}" type="slidenum">
-              <a:rPr lang="it-IT" smtClean="0"/>
+              <a:rPr kumimoji="0" lang="it-IT" sz="1200" b="0" i="0" u="none" strike="noStrike" kern="1200" cap="none" spc="0" normalizeH="0" baseline="0" noProof="0" smtClean="0">
+                <a:ln>
+                  <a:noFill/>
+                </a:ln>
+                <a:solidFill>
+                  <a:prstClr val="black"/>
+                </a:solidFill>
+                <a:effectLst/>
+                <a:uLnTx/>
+                <a:uFillTx/>
+                <a:latin typeface="Calibri" panose="020F0502020204030204"/>
+                <a:ea typeface="+mn-ea"/>
+                <a:cs typeface="+mn-cs"/>
+              </a:rPr>
+              <a:pPr marL="0" marR="0" lvl="0" indent="0" algn="r" defTabSz="914400" rtl="0" eaLnBrk="1" fontAlgn="auto" latinLnBrk="0" hangingPunct="1">
+                <a:lnSpc>
+                  <a:spcPct val="100000"/>
+                </a:lnSpc>
+                <a:spcBef>
+                  <a:spcPts val="0"/>
+                </a:spcBef>
+                <a:spcAft>
+                  <a:spcPts val="0"/>
+                </a:spcAft>
+                <a:buClrTx/>
+                <a:buSzTx/>
+                <a:buFontTx/>
+                <a:buNone/>
+                <a:tabLst/>
+                <a:defRPr/>
+              </a:pPr>
               <a:t>2</a:t>
             </a:fld>
-            <a:endParaRPr lang="it-IT"/>
+            <a:endParaRPr kumimoji="0" lang="it-IT" sz="1200" b="0" i="0" u="none" strike="noStrike" kern="1200" cap="none" spc="0" normalizeH="0" baseline="0" noProof="0">
+              <a:ln>
+                <a:noFill/>
+              </a:ln>
+              <a:solidFill>
+                <a:prstClr val="black"/>
+              </a:solidFill>
+              <a:effectLst/>
+              <a:uLnTx/>
+              <a:uFillTx/>
+              <a:latin typeface="Calibri" panose="020F0502020204030204"/>
+              <a:ea typeface="+mn-ea"/>
+              <a:cs typeface="+mn-cs"/>
+            </a:endParaRPr>
           </a:p>
         </p:txBody>
       </p:sp>
@@ -1542,12 +1687,71 @@
           <a:bodyPr/>
           <a:lstStyle/>
           <a:p>
-            <a:pPr rtl="0"/>
+            <a:pPr marL="0" marR="0" lvl="0" indent="0" algn="r" defTabSz="914400" rtl="0" eaLnBrk="1" fontAlgn="auto" latinLnBrk="0" hangingPunct="1">
+              <a:lnSpc>
+                <a:spcPct val="100000"/>
+              </a:lnSpc>
+              <a:spcBef>
+                <a:spcPts val="0"/>
+              </a:spcBef>
+              <a:spcAft>
+                <a:spcPts val="0"/>
+              </a:spcAft>
+              <a:buClrTx/>
+              <a:buSzTx/>
+              <a:buFontTx/>
+              <a:buNone/>
+              <a:tabLst/>
+              <a:defRPr/>
+            </a:pPr>
             <a:fld id="{8530193B-564F-4854-8A52-728F3FB19C85}" type="slidenum">
-              <a:rPr lang="it-IT" smtClean="0"/>
+              <a:rPr kumimoji="0" lang="it-IT" sz="1200" b="0" i="0" u="none" strike="noStrike" kern="1200" cap="none" spc="0" normalizeH="0" baseline="0" noProof="0" smtClean="0">
+                <a:ln>
+                  <a:noFill/>
+                </a:ln>
+                <a:solidFill>
+                  <a:prstClr val="black"/>
+                </a:solidFill>
+                <a:effectLst/>
+                <a:uLnTx/>
+                <a:uFillTx/>
+                <a:latin typeface="Calibri" panose="020F0502020204030204"/>
+                <a:ea typeface="+mn-ea"/>
+                <a:cs typeface="+mn-cs"/>
+              </a:rPr>
+              <a:pPr marL="0" marR="0" lvl="0" indent="0" algn="r" defTabSz="914400" rtl="0" eaLnBrk="1" fontAlgn="auto" latinLnBrk="0" hangingPunct="1">
+                <a:lnSpc>
+                  <a:spcPct val="100000"/>
+                </a:lnSpc>
+                <a:spcBef>
+                  <a:spcPts val="0"/>
+                </a:spcBef>
+                <a:spcAft>
+                  <a:spcPts val="0"/>
+                </a:spcAft>
+                <a:buClrTx/>
+                <a:buSzTx/>
+                <a:buFontTx/>
+                <a:buNone/>
+                <a:tabLst/>
+                <a:defRPr/>
+              </a:pPr>
               <a:t>3</a:t>
             </a:fld>
-            <a:endParaRPr lang="it-IT"/>
+            <a:endParaRPr kumimoji="0" lang="it-IT" sz="1200" b="0" i="0" u="none" strike="noStrike" kern="1200" cap="none" spc="0" normalizeH="0" baseline="0" noProof="0">
+              <a:ln>
+                <a:noFill/>
+              </a:ln>
+              <a:solidFill>
+                <a:prstClr val="black"/>
+              </a:solidFill>
+              <a:effectLst/>
+              <a:uLnTx/>
+              <a:uFillTx/>
+              <a:latin typeface="Calibri" panose="020F0502020204030204"/>
+              <a:ea typeface="+mn-ea"/>
+              <a:cs typeface="+mn-cs"/>
+            </a:endParaRPr>
           </a:p>
         </p:txBody>
       </p:sp>
@@ -1627,12 +1831,71 @@
           <a:bodyPr/>
           <a:lstStyle/>
           <a:p>
-            <a:pPr rtl="0"/>
+            <a:pPr marL="0" marR="0" lvl="0" indent="0" algn="r" defTabSz="914400" rtl="0" eaLnBrk="1" fontAlgn="auto" latinLnBrk="0" hangingPunct="1">
+              <a:lnSpc>
+                <a:spcPct val="100000"/>
+              </a:lnSpc>
+              <a:spcBef>
+                <a:spcPts val="0"/>
+              </a:spcBef>
+              <a:spcAft>
+                <a:spcPts val="0"/>
+              </a:spcAft>
+              <a:buClrTx/>
+              <a:buSzTx/>
+              <a:buFontTx/>
+              <a:buNone/>
+              <a:tabLst/>
+              <a:defRPr/>
+            </a:pPr>
             <a:fld id="{8530193B-564F-4854-8A52-728F3FB19C85}" type="slidenum">
-              <a:rPr lang="it-IT" smtClean="0"/>
+              <a:rPr kumimoji="0" lang="it-IT" sz="1200" b="0" i="0" u="none" strike="noStrike" kern="1200" cap="none" spc="0" normalizeH="0" baseline="0" noProof="0" smtClean="0">
+                <a:ln>
+                  <a:noFill/>
+                </a:ln>
+                <a:solidFill>
+                  <a:prstClr val="black"/>
+                </a:solidFill>
+                <a:effectLst/>
+                <a:uLnTx/>
+                <a:uFillTx/>
+                <a:latin typeface="Calibri" panose="020F0502020204030204"/>
+                <a:ea typeface="+mn-ea"/>
+                <a:cs typeface="+mn-cs"/>
+              </a:rPr>
+              <a:pPr marL="0" marR="0" lvl="0" indent="0" algn="r" defTabSz="914400" rtl="0" eaLnBrk="1" fontAlgn="auto" latinLnBrk="0" hangingPunct="1">
+                <a:lnSpc>
+                  <a:spcPct val="100000"/>
+                </a:lnSpc>
+                <a:spcBef>
+                  <a:spcPts val="0"/>
+                </a:spcBef>
+                <a:spcAft>
+                  <a:spcPts val="0"/>
+                </a:spcAft>
+                <a:buClrTx/>
+                <a:buSzTx/>
+                <a:buFontTx/>
+                <a:buNone/>
+                <a:tabLst/>
+                <a:defRPr/>
+              </a:pPr>
               <a:t>4</a:t>
             </a:fld>
-            <a:endParaRPr lang="it-IT"/>
+            <a:endParaRPr kumimoji="0" lang="it-IT" sz="1200" b="0" i="0" u="none" strike="noStrike" kern="1200" cap="none" spc="0" normalizeH="0" baseline="0" noProof="0">
+              <a:ln>
+                <a:noFill/>
+              </a:ln>
+              <a:solidFill>
+                <a:prstClr val="black"/>
+              </a:solidFill>
+              <a:effectLst/>
+              <a:uLnTx/>
+              <a:uFillTx/>
+              <a:latin typeface="Calibri" panose="020F0502020204030204"/>
+              <a:ea typeface="+mn-ea"/>
+              <a:cs typeface="+mn-cs"/>
+            </a:endParaRPr>
           </a:p>
         </p:txBody>
       </p:sp>
@@ -1797,12 +2060,71 @@
           <a:bodyPr/>
           <a:lstStyle/>
           <a:p>
-            <a:pPr rtl="0"/>
+            <a:pPr marL="0" marR="0" lvl="0" indent="0" algn="r" defTabSz="914400" rtl="0" eaLnBrk="1" fontAlgn="auto" latinLnBrk="0" hangingPunct="1">
+              <a:lnSpc>
+                <a:spcPct val="100000"/>
+              </a:lnSpc>
+              <a:spcBef>
+                <a:spcPts val="0"/>
+              </a:spcBef>
+              <a:spcAft>
+                <a:spcPts val="0"/>
+              </a:spcAft>
+              <a:buClrTx/>
+              <a:buSzTx/>
+              <a:buFontTx/>
+              <a:buNone/>
+              <a:tabLst/>
+              <a:defRPr/>
+            </a:pPr>
             <a:fld id="{8530193B-564F-4854-8A52-728F3FB19C85}" type="slidenum">
-              <a:rPr lang="it-IT" smtClean="0"/>
+              <a:rPr kumimoji="0" lang="it-IT" sz="1200" b="0" i="0" u="none" strike="noStrike" kern="1200" cap="none" spc="0" normalizeH="0" baseline="0" noProof="0" smtClean="0">
+                <a:ln>
+                  <a:noFill/>
+                </a:ln>
+                <a:solidFill>
+                  <a:prstClr val="black"/>
+                </a:solidFill>
+                <a:effectLst/>
+                <a:uLnTx/>
+                <a:uFillTx/>
+                <a:latin typeface="Calibri" panose="020F0502020204030204"/>
+                <a:ea typeface="+mn-ea"/>
+                <a:cs typeface="+mn-cs"/>
+              </a:rPr>
+              <a:pPr marL="0" marR="0" lvl="0" indent="0" algn="r" defTabSz="914400" rtl="0" eaLnBrk="1" fontAlgn="auto" latinLnBrk="0" hangingPunct="1">
+                <a:lnSpc>
+                  <a:spcPct val="100000"/>
+                </a:lnSpc>
+                <a:spcBef>
+                  <a:spcPts val="0"/>
+                </a:spcBef>
+                <a:spcAft>
+                  <a:spcPts val="0"/>
+                </a:spcAft>
+                <a:buClrTx/>
+                <a:buSzTx/>
+                <a:buFontTx/>
+                <a:buNone/>
+                <a:tabLst/>
+                <a:defRPr/>
+              </a:pPr>
               <a:t>6</a:t>
             </a:fld>
-            <a:endParaRPr lang="it-IT"/>
+            <a:endParaRPr kumimoji="0" lang="it-IT" sz="1200" b="0" i="0" u="none" strike="noStrike" kern="1200" cap="none" spc="0" normalizeH="0" baseline="0" noProof="0">
+              <a:ln>
+                <a:noFill/>
+              </a:ln>
+              <a:solidFill>
+                <a:prstClr val="black"/>
+              </a:solidFill>
+              <a:effectLst/>
+              <a:uLnTx/>
+              <a:uFillTx/>
+              <a:latin typeface="Calibri" panose="020F0502020204030204"/>
+              <a:ea typeface="+mn-ea"/>
+              <a:cs typeface="+mn-cs"/>
+            </a:endParaRPr>
           </a:p>
         </p:txBody>
       </p:sp>
@@ -1882,19 +2204,78 @@
           <a:bodyPr/>
           <a:lstStyle/>
           <a:p>
-            <a:pPr rtl="0"/>
+            <a:pPr marL="0" marR="0" lvl="0" indent="0" algn="r" defTabSz="914400" rtl="0" eaLnBrk="1" fontAlgn="auto" latinLnBrk="0" hangingPunct="1">
+              <a:lnSpc>
+                <a:spcPct val="100000"/>
+              </a:lnSpc>
+              <a:spcBef>
+                <a:spcPts val="0"/>
+              </a:spcBef>
+              <a:spcAft>
+                <a:spcPts val="0"/>
+              </a:spcAft>
+              <a:buClrTx/>
+              <a:buSzTx/>
+              <a:buFontTx/>
+              <a:buNone/>
+              <a:tabLst/>
+              <a:defRPr/>
+            </a:pPr>
             <a:fld id="{8530193B-564F-4854-8A52-728F3FB19C85}" type="slidenum">
-              <a:rPr lang="it-IT" smtClean="0"/>
+              <a:rPr kumimoji="0" lang="it-IT" sz="1200" b="0" i="0" u="none" strike="noStrike" kern="1200" cap="none" spc="0" normalizeH="0" baseline="0" noProof="0" smtClean="0">
+                <a:ln>
+                  <a:noFill/>
+                </a:ln>
+                <a:solidFill>
+                  <a:prstClr val="black"/>
+                </a:solidFill>
+                <a:effectLst/>
+                <a:uLnTx/>
+                <a:uFillTx/>
+                <a:latin typeface="Calibri" panose="020F0502020204030204"/>
+                <a:ea typeface="+mn-ea"/>
+                <a:cs typeface="+mn-cs"/>
+              </a:rPr>
+              <a:pPr marL="0" marR="0" lvl="0" indent="0" algn="r" defTabSz="914400" rtl="0" eaLnBrk="1" fontAlgn="auto" latinLnBrk="0" hangingPunct="1">
+                <a:lnSpc>
+                  <a:spcPct val="100000"/>
+                </a:lnSpc>
+                <a:spcBef>
+                  <a:spcPts val="0"/>
+                </a:spcBef>
+                <a:spcAft>
+                  <a:spcPts val="0"/>
+                </a:spcAft>
+                <a:buClrTx/>
+                <a:buSzTx/>
+                <a:buFontTx/>
+                <a:buNone/>
+                <a:tabLst/>
+                <a:defRPr/>
+              </a:pPr>
               <a:t>7</a:t>
             </a:fld>
-            <a:endParaRPr lang="it-IT"/>
+            <a:endParaRPr kumimoji="0" lang="it-IT" sz="1200" b="0" i="0" u="none" strike="noStrike" kern="1200" cap="none" spc="0" normalizeH="0" baseline="0" noProof="0">
+              <a:ln>
+                <a:noFill/>
+              </a:ln>
+              <a:solidFill>
+                <a:prstClr val="black"/>
+              </a:solidFill>
+              <a:effectLst/>
+              <a:uLnTx/>
+              <a:uFillTx/>
+              <a:latin typeface="Calibri" panose="020F0502020204030204"/>
+              <a:ea typeface="+mn-ea"/>
+              <a:cs typeface="+mn-cs"/>
+            </a:endParaRPr>
           </a:p>
         </p:txBody>
       </p:sp>
     </p:spTree>
     <p:extLst>
       <p:ext uri="{BB962C8B-B14F-4D97-AF65-F5344CB8AC3E}">
-        <p14:creationId xmlns:p14="http://schemas.microsoft.com/office/powerpoint/2010/main" val="1042300802"/>
+        <p14:creationId xmlns:p14="http://schemas.microsoft.com/office/powerpoint/2010/main" val="2721137731"/>
       </p:ext>
     </p:extLst>
   </p:cSld>
@@ -1979,7 +2360,7 @@
     </p:spTree>
     <p:extLst>
       <p:ext uri="{BB962C8B-B14F-4D97-AF65-F5344CB8AC3E}">
-        <p14:creationId xmlns:p14="http://schemas.microsoft.com/office/powerpoint/2010/main" val="898999705"/>
+        <p14:creationId xmlns:p14="http://schemas.microsoft.com/office/powerpoint/2010/main" val="1042300802"/>
       </p:ext>
     </p:extLst>
   </p:cSld>
@@ -2064,7 +2445,7 @@
     </p:spTree>
     <p:extLst>
       <p:ext uri="{BB962C8B-B14F-4D97-AF65-F5344CB8AC3E}">
-        <p14:creationId xmlns:p14="http://schemas.microsoft.com/office/powerpoint/2010/main" val="3406993507"/>
+        <p14:creationId xmlns:p14="http://schemas.microsoft.com/office/powerpoint/2010/main" val="898999705"/>
       </p:ext>
     </p:extLst>
   </p:cSld>
@@ -9664,6 +10045,388 @@
     <p:bg>
       <p:bgPr>
         <a:solidFill>
+          <a:schemeClr val="bg1"/>
+        </a:solidFill>
+        <a:effectLst/>
+      </p:bgPr>
+    </p:bg>
+    <p:spTree>
+      <p:nvGrpSpPr>
+        <p:cNvPr id="1" name=""/>
+        <p:cNvGrpSpPr/>
+        <p:nvPr/>
+      </p:nvGrpSpPr>
+      <p:grpSpPr>
+        <a:xfrm>
+          <a:off x="0" y="0"/>
+          <a:ext cx="0" cy="0"/>
+          <a:chOff x="0" y="0"/>
+          <a:chExt cx="0" cy="0"/>
+        </a:xfrm>
+      </p:grpSpPr>
+      <p:sp>
+        <p:nvSpPr>
+          <p:cNvPr id="8" name="Titolo 7">
+            <a:extLst>
+              <a:ext uri="{FF2B5EF4-FFF2-40B4-BE49-F238E27FC236}">
+                <a16:creationId xmlns:a16="http://schemas.microsoft.com/office/drawing/2014/main" id="{3EEDAF89-0ECD-416A-93E5-A300FF0B9702}"/>
+              </a:ext>
+            </a:extLst>
+          </p:cNvPr>
+          <p:cNvSpPr>
+            <a:spLocks noGrp="1"/>
+          </p:cNvSpPr>
+          <p:nvPr>
+            <p:ph type="title"/>
+          </p:nvPr>
+        </p:nvSpPr>
+        <p:spPr/>
+        <p:txBody>
+          <a:bodyPr rtlCol="0"/>
+          <a:lstStyle/>
+          <a:p>
+            <a:pPr rtl="0"/>
+            <a:r>
+              <a:rPr lang="it-IT" sz="3600" dirty="0" err="1"/>
+              <a:t>Different</a:t>
+            </a:r>
+            <a:r>
+              <a:rPr lang="it-IT" sz="3600" dirty="0"/>
+              <a:t> </a:t>
+            </a:r>
+            <a:r>
+              <a:rPr lang="it-IT" sz="3600" dirty="0" err="1"/>
+              <a:t>Type</a:t>
+            </a:r>
+            <a:r>
+              <a:rPr lang="it-IT" sz="3600" dirty="0"/>
+              <a:t> of Treatment</a:t>
+            </a:r>
+          </a:p>
+        </p:txBody>
+      </p:sp>
+      <p:pic>
+        <p:nvPicPr>
+          <p:cNvPr id="4" name="Immagine 3">
+            <a:extLst>
+              <a:ext uri="{FF2B5EF4-FFF2-40B4-BE49-F238E27FC236}">
+                <a16:creationId xmlns:a16="http://schemas.microsoft.com/office/drawing/2014/main" id="{87FD8580-D9F5-4529-B0E9-D9E3A96D5EB0}"/>
+              </a:ext>
+            </a:extLst>
+          </p:cNvPr>
+          <p:cNvPicPr>
+            <a:picLocks noChangeAspect="1"/>
+          </p:cNvPicPr>
+          <p:nvPr/>
+        </p:nvPicPr>
+        <p:blipFill>
+          <a:blip r:embed="rId3"/>
+          <a:stretch>
+            <a:fillRect/>
+          </a:stretch>
+        </p:blipFill>
+        <p:spPr>
+          <a:xfrm>
+            <a:off x="838200" y="1604091"/>
+            <a:ext cx="6779149" cy="4536359"/>
+          </a:xfrm>
+          <a:prstGeom prst="rect">
+            <a:avLst/>
+          </a:prstGeom>
+        </p:spPr>
+      </p:pic>
+      <p:sp>
+        <p:nvSpPr>
+          <p:cNvPr id="5" name="Segnaposto testo 7">
+            <a:extLst>
+              <a:ext uri="{FF2B5EF4-FFF2-40B4-BE49-F238E27FC236}">
+                <a16:creationId xmlns:a16="http://schemas.microsoft.com/office/drawing/2014/main" id="{7783376A-BCEA-4409-B8B5-8A94C6A1FBA8}"/>
+              </a:ext>
+            </a:extLst>
+          </p:cNvPr>
+          <p:cNvSpPr txBox="1">
+            <a:spLocks/>
+          </p:cNvSpPr>
+          <p:nvPr/>
+        </p:nvSpPr>
+        <p:spPr>
+          <a:xfrm>
+            <a:off x="8280400" y="2724884"/>
+            <a:ext cx="3073400" cy="2294772"/>
+          </a:xfrm>
+          <a:prstGeom prst="rect">
+            <a:avLst/>
+          </a:prstGeom>
+          <a:noFill/>
+        </p:spPr>
+        <p:txBody>
+          <a:bodyPr rtlCol="0"/>
+          <a:lstStyle>
+            <a:lvl1pPr marL="266700" indent="-266700" algn="l" defTabSz="914400" rtl="0" eaLnBrk="1" latinLnBrk="0" hangingPunct="1">
+              <a:lnSpc>
+                <a:spcPct val="90000"/>
+              </a:lnSpc>
+              <a:spcBef>
+                <a:spcPts val="1000"/>
+              </a:spcBef>
+              <a:buFont typeface="Arial" panose="020B0604020202020204" pitchFamily="34" charset="0"/>
+              <a:buChar char="•"/>
+              <a:defRPr sz="1800" kern="1200">
+                <a:solidFill>
+                  <a:schemeClr val="tx1">
+                    <a:lumMod val="75000"/>
+                    <a:lumOff val="25000"/>
+                  </a:schemeClr>
+                </a:solidFill>
+                <a:latin typeface="+mn-lt"/>
+                <a:ea typeface="+mn-ea"/>
+                <a:cs typeface="+mn-cs"/>
+              </a:defRPr>
+            </a:lvl1pPr>
+            <a:lvl2pPr marL="542925" indent="-276225" algn="l" defTabSz="914400" rtl="0" eaLnBrk="1" latinLnBrk="0" hangingPunct="1">
+              <a:lnSpc>
+                <a:spcPct val="90000"/>
+              </a:lnSpc>
+              <a:spcBef>
+                <a:spcPts val="500"/>
+              </a:spcBef>
+              <a:buFont typeface="Arial" panose="020B0604020202020204" pitchFamily="34" charset="0"/>
+              <a:buChar char="•"/>
+              <a:defRPr sz="1600" kern="1200">
+                <a:solidFill>
+                  <a:schemeClr val="tx1">
+                    <a:lumMod val="75000"/>
+                    <a:lumOff val="25000"/>
+                  </a:schemeClr>
+                </a:solidFill>
+                <a:latin typeface="+mn-lt"/>
+                <a:ea typeface="+mn-ea"/>
+                <a:cs typeface="+mn-cs"/>
+              </a:defRPr>
+            </a:lvl2pPr>
+            <a:lvl3pPr marL="809625" indent="-266700" algn="l" defTabSz="914400" rtl="0" eaLnBrk="1" latinLnBrk="0" hangingPunct="1">
+              <a:lnSpc>
+                <a:spcPct val="90000"/>
+              </a:lnSpc>
+              <a:spcBef>
+                <a:spcPts val="500"/>
+              </a:spcBef>
+              <a:buFont typeface="Arial" panose="020B0604020202020204" pitchFamily="34" charset="0"/>
+              <a:buChar char="•"/>
+              <a:defRPr sz="1400" kern="1200">
+                <a:solidFill>
+                  <a:schemeClr val="tx1">
+                    <a:lumMod val="75000"/>
+                    <a:lumOff val="25000"/>
+                  </a:schemeClr>
+                </a:solidFill>
+                <a:latin typeface="+mn-lt"/>
+                <a:ea typeface="+mn-ea"/>
+                <a:cs typeface="+mn-cs"/>
+              </a:defRPr>
+            </a:lvl3pPr>
+            <a:lvl4pPr marL="1076325" indent="-266700" algn="l" defTabSz="914400" rtl="0" eaLnBrk="1" latinLnBrk="0" hangingPunct="1">
+              <a:lnSpc>
+                <a:spcPct val="90000"/>
+              </a:lnSpc>
+              <a:spcBef>
+                <a:spcPts val="500"/>
+              </a:spcBef>
+              <a:buFont typeface="Arial" panose="020B0604020202020204" pitchFamily="34" charset="0"/>
+              <a:buChar char="•"/>
+              <a:defRPr sz="1400" kern="1200">
+                <a:solidFill>
+                  <a:schemeClr val="tx1">
+                    <a:lumMod val="75000"/>
+                    <a:lumOff val="25000"/>
+                  </a:schemeClr>
+                </a:solidFill>
+                <a:latin typeface="+mn-lt"/>
+                <a:ea typeface="+mn-ea"/>
+                <a:cs typeface="+mn-cs"/>
+              </a:defRPr>
+            </a:lvl4pPr>
+            <a:lvl5pPr marL="1343025" indent="-266700" algn="l" defTabSz="914400" rtl="0" eaLnBrk="1" latinLnBrk="0" hangingPunct="1">
+              <a:lnSpc>
+                <a:spcPct val="90000"/>
+              </a:lnSpc>
+              <a:spcBef>
+                <a:spcPts val="500"/>
+              </a:spcBef>
+              <a:buFont typeface="Arial" panose="020B0604020202020204" pitchFamily="34" charset="0"/>
+              <a:buChar char="•"/>
+              <a:defRPr sz="1400" kern="1200">
+                <a:solidFill>
+                  <a:schemeClr val="tx1">
+                    <a:lumMod val="75000"/>
+                    <a:lumOff val="25000"/>
+                  </a:schemeClr>
+                </a:solidFill>
+                <a:latin typeface="+mn-lt"/>
+                <a:ea typeface="+mn-ea"/>
+                <a:cs typeface="+mn-cs"/>
+              </a:defRPr>
+            </a:lvl5pPr>
+            <a:lvl6pPr marL="2514600" indent="-228600" algn="l" defTabSz="914400" rtl="0" eaLnBrk="1" latinLnBrk="0" hangingPunct="1">
+              <a:lnSpc>
+                <a:spcPct val="90000"/>
+              </a:lnSpc>
+              <a:spcBef>
+                <a:spcPts val="500"/>
+              </a:spcBef>
+              <a:buFont typeface="Arial" panose="020B0604020202020204" pitchFamily="34" charset="0"/>
+              <a:buChar char="•"/>
+              <a:defRPr sz="1800" kern="1200">
+                <a:solidFill>
+                  <a:schemeClr val="tx1"/>
+                </a:solidFill>
+                <a:latin typeface="+mn-lt"/>
+                <a:ea typeface="+mn-ea"/>
+                <a:cs typeface="+mn-cs"/>
+              </a:defRPr>
+            </a:lvl6pPr>
+            <a:lvl7pPr marL="2971800" indent="-228600" algn="l" defTabSz="914400" rtl="0" eaLnBrk="1" latinLnBrk="0" hangingPunct="1">
+              <a:lnSpc>
+                <a:spcPct val="90000"/>
+              </a:lnSpc>
+              <a:spcBef>
+                <a:spcPts val="500"/>
+              </a:spcBef>
+              <a:buFont typeface="Arial" panose="020B0604020202020204" pitchFamily="34" charset="0"/>
+              <a:buChar char="•"/>
+              <a:defRPr sz="1800" kern="1200">
+                <a:solidFill>
+                  <a:schemeClr val="tx1"/>
+                </a:solidFill>
+                <a:latin typeface="+mn-lt"/>
+                <a:ea typeface="+mn-ea"/>
+                <a:cs typeface="+mn-cs"/>
+              </a:defRPr>
+            </a:lvl7pPr>
+            <a:lvl8pPr marL="3429000" indent="-228600" algn="l" defTabSz="914400" rtl="0" eaLnBrk="1" latinLnBrk="0" hangingPunct="1">
+              <a:lnSpc>
+                <a:spcPct val="90000"/>
+              </a:lnSpc>
+              <a:spcBef>
+                <a:spcPts val="500"/>
+              </a:spcBef>
+              <a:buFont typeface="Arial" panose="020B0604020202020204" pitchFamily="34" charset="0"/>
+              <a:buChar char="•"/>
+              <a:defRPr sz="1800" kern="1200">
+                <a:solidFill>
+                  <a:schemeClr val="tx1"/>
+                </a:solidFill>
+                <a:latin typeface="+mn-lt"/>
+                <a:ea typeface="+mn-ea"/>
+                <a:cs typeface="+mn-cs"/>
+              </a:defRPr>
+            </a:lvl8pPr>
+            <a:lvl9pPr marL="3886200" indent="-228600" algn="l" defTabSz="914400" rtl="0" eaLnBrk="1" latinLnBrk="0" hangingPunct="1">
+              <a:lnSpc>
+                <a:spcPct val="90000"/>
+              </a:lnSpc>
+              <a:spcBef>
+                <a:spcPts val="500"/>
+              </a:spcBef>
+              <a:buFont typeface="Arial" panose="020B0604020202020204" pitchFamily="34" charset="0"/>
+              <a:buChar char="•"/>
+              <a:defRPr sz="1800" kern="1200">
+                <a:solidFill>
+                  <a:schemeClr val="tx1"/>
+                </a:solidFill>
+                <a:latin typeface="+mn-lt"/>
+                <a:ea typeface="+mn-ea"/>
+                <a:cs typeface="+mn-cs"/>
+              </a:defRPr>
+            </a:lvl9pPr>
+          </a:lstStyle>
+          <a:p>
+            <a:pPr marL="0" indent="0" algn="just">
+              <a:buFont typeface="Arial" panose="020B0604020202020204" pitchFamily="34" charset="0"/>
+              <a:buNone/>
+            </a:pPr>
+            <a:r>
+              <a:rPr lang="en-US" sz="1600" dirty="0">
+                <a:solidFill>
+                  <a:srgbClr val="202124"/>
+                </a:solidFill>
+                <a:latin typeface="Century" panose="02040604050505020304" pitchFamily="18" charset="0"/>
+              </a:rPr>
+              <a:t>Here we have the number of bookings divided by type of treatment.</a:t>
+            </a:r>
+          </a:p>
+          <a:p>
+            <a:pPr algn="just"/>
+            <a:r>
+              <a:rPr lang="en-US" sz="1600" dirty="0">
+                <a:solidFill>
+                  <a:srgbClr val="202124"/>
+                </a:solidFill>
+                <a:latin typeface="Century" panose="02040604050505020304" pitchFamily="18" charset="0"/>
+              </a:rPr>
+              <a:t>BB: Bed and Breakfast</a:t>
+            </a:r>
+          </a:p>
+          <a:p>
+            <a:pPr algn="just"/>
+            <a:r>
+              <a:rPr lang="en-US" sz="1600" dirty="0">
+                <a:solidFill>
+                  <a:srgbClr val="202124"/>
+                </a:solidFill>
+                <a:latin typeface="Century" panose="02040604050505020304" pitchFamily="18" charset="0"/>
+              </a:rPr>
+              <a:t>FB: Full Board</a:t>
+            </a:r>
+          </a:p>
+          <a:p>
+            <a:pPr algn="just"/>
+            <a:r>
+              <a:rPr lang="en-US" sz="1600" dirty="0">
+                <a:solidFill>
+                  <a:srgbClr val="202124"/>
+                </a:solidFill>
+                <a:latin typeface="Century" panose="02040604050505020304" pitchFamily="18" charset="0"/>
+              </a:rPr>
+              <a:t>HB: Half Board</a:t>
+            </a:r>
+          </a:p>
+          <a:p>
+            <a:pPr algn="just"/>
+            <a:r>
+              <a:rPr lang="en-US" sz="1600" dirty="0">
+                <a:solidFill>
+                  <a:srgbClr val="202124"/>
+                </a:solidFill>
+                <a:latin typeface="Century" panose="02040604050505020304" pitchFamily="18" charset="0"/>
+              </a:rPr>
+              <a:t>SC: No Meal</a:t>
+            </a:r>
+            <a:endParaRPr lang="it-IT" sz="1600" dirty="0">
+              <a:latin typeface="Century" panose="02040604050505020304" pitchFamily="18" charset="0"/>
+            </a:endParaRPr>
+          </a:p>
+        </p:txBody>
+      </p:sp>
+    </p:spTree>
+    <p:extLst>
+      <p:ext uri="{BB962C8B-B14F-4D97-AF65-F5344CB8AC3E}">
+        <p14:creationId xmlns:p14="http://schemas.microsoft.com/office/powerpoint/2010/main" val="2024063307"/>
+      </p:ext>
+    </p:extLst>
+  </p:cSld>
+  <p:clrMapOvr>
+    <a:masterClrMapping/>
+  </p:clrMapOvr>
+</p:sld>
+</file>
+
+<file path=ppt/slides/slide11.xml><?xml version="1.0" encoding="utf-8"?>
+<p:sld xmlns:a="http://schemas.openxmlformats.org/drawingml/2006/main" xmlns:r="http://schemas.openxmlformats.org/officeDocument/2006/relationships" xmlns:p="http://schemas.openxmlformats.org/presentationml/2006/main">
+  <p:cSld>
+    <p:bg>
+      <p:bgPr>
+        <a:solidFill>
           <a:schemeClr val="bg1">
             <a:alpha val="99000"/>
           </a:schemeClr>
@@ -10030,331 +10793,6 @@
 </p:sld>
 </file>
 
-<file path=ppt/slides/slide11.xml><?xml version="1.0" encoding="utf-8"?>
-<p:sld xmlns:a="http://schemas.openxmlformats.org/drawingml/2006/main" xmlns:r="http://schemas.openxmlformats.org/officeDocument/2006/relationships" xmlns:p="http://schemas.openxmlformats.org/presentationml/2006/main">
-  <p:cSld>
-    <p:bg>
-      <p:bgPr>
-        <a:solidFill>
-          <a:schemeClr val="bg1"/>
-        </a:solidFill>
-        <a:effectLst/>
-      </p:bgPr>
-    </p:bg>
-    <p:spTree>
-      <p:nvGrpSpPr>
-        <p:cNvPr id="1" name=""/>
-        <p:cNvGrpSpPr/>
-        <p:nvPr/>
-      </p:nvGrpSpPr>
-      <p:grpSpPr>
-        <a:xfrm>
-          <a:off x="0" y="0"/>
-          <a:ext cx="0" cy="0"/>
-          <a:chOff x="0" y="0"/>
-          <a:chExt cx="0" cy="0"/>
-        </a:xfrm>
-      </p:grpSpPr>
-      <p:sp>
-        <p:nvSpPr>
-          <p:cNvPr id="5" name="Titolo 4">
-            <a:extLst>
-              <a:ext uri="{FF2B5EF4-FFF2-40B4-BE49-F238E27FC236}">
-                <a16:creationId xmlns:a16="http://schemas.microsoft.com/office/drawing/2014/main" id="{BA86A9EC-640F-47FB-AA92-2851B3012347}"/>
-              </a:ext>
-            </a:extLst>
-          </p:cNvPr>
-          <p:cNvSpPr>
-            <a:spLocks noGrp="1"/>
-          </p:cNvSpPr>
-          <p:nvPr>
-            <p:ph type="title"/>
-          </p:nvPr>
-        </p:nvSpPr>
-        <p:spPr/>
-        <p:txBody>
-          <a:bodyPr rtlCol="0"/>
-          <a:lstStyle/>
-          <a:p>
-            <a:pPr rtl="0"/>
-            <a:r>
-              <a:rPr lang="it-IT" sz="3600" dirty="0" err="1"/>
-              <a:t>Map</a:t>
-            </a:r>
-            <a:r>
-              <a:rPr lang="it-IT" sz="3600" dirty="0"/>
-              <a:t> of % guests</a:t>
-            </a:r>
-          </a:p>
-        </p:txBody>
-      </p:sp>
-      <p:pic>
-        <p:nvPicPr>
-          <p:cNvPr id="4" name="Immagine 3" descr="Immagine che contiene testo&#10;&#10;Descrizione generata automaticamente">
-            <a:extLst>
-              <a:ext uri="{FF2B5EF4-FFF2-40B4-BE49-F238E27FC236}">
-                <a16:creationId xmlns:a16="http://schemas.microsoft.com/office/drawing/2014/main" id="{B3B3858F-0047-4CD2-AD35-375AE7045417}"/>
-              </a:ext>
-            </a:extLst>
-          </p:cNvPr>
-          <p:cNvPicPr>
-            <a:picLocks noChangeAspect="1"/>
-          </p:cNvPicPr>
-          <p:nvPr/>
-        </p:nvPicPr>
-        <p:blipFill rotWithShape="1">
-          <a:blip r:embed="rId3"/>
-          <a:srcRect t="19052" b="15936"/>
-          <a:stretch/>
-        </p:blipFill>
-        <p:spPr>
-          <a:xfrm>
-            <a:off x="838200" y="2139950"/>
-            <a:ext cx="7004321" cy="2927350"/>
-          </a:xfrm>
-          <a:prstGeom prst="rect">
-            <a:avLst/>
-          </a:prstGeom>
-        </p:spPr>
-      </p:pic>
-      <p:sp>
-        <p:nvSpPr>
-          <p:cNvPr id="6" name="Segnaposto testo 7">
-            <a:extLst>
-              <a:ext uri="{FF2B5EF4-FFF2-40B4-BE49-F238E27FC236}">
-                <a16:creationId xmlns:a16="http://schemas.microsoft.com/office/drawing/2014/main" id="{B2CBCF0B-BD92-43DA-952D-5EBFE1A1EA0A}"/>
-              </a:ext>
-            </a:extLst>
-          </p:cNvPr>
-          <p:cNvSpPr txBox="1">
-            <a:spLocks/>
-          </p:cNvSpPr>
-          <p:nvPr/>
-        </p:nvSpPr>
-        <p:spPr>
-          <a:xfrm>
-            <a:off x="8280400" y="2855307"/>
-            <a:ext cx="3073400" cy="1147386"/>
-          </a:xfrm>
-          <a:prstGeom prst="rect">
-            <a:avLst/>
-          </a:prstGeom>
-          <a:noFill/>
-        </p:spPr>
-        <p:txBody>
-          <a:bodyPr rtlCol="0"/>
-          <a:lstStyle>
-            <a:lvl1pPr marL="266700" indent="-266700" algn="l" defTabSz="914400" rtl="0" eaLnBrk="1" latinLnBrk="0" hangingPunct="1">
-              <a:lnSpc>
-                <a:spcPct val="90000"/>
-              </a:lnSpc>
-              <a:spcBef>
-                <a:spcPts val="1000"/>
-              </a:spcBef>
-              <a:buFont typeface="Arial" panose="020B0604020202020204" pitchFamily="34" charset="0"/>
-              <a:buChar char="•"/>
-              <a:defRPr sz="1800" kern="1200">
-                <a:solidFill>
-                  <a:schemeClr val="tx1">
-                    <a:lumMod val="75000"/>
-                    <a:lumOff val="25000"/>
-                  </a:schemeClr>
-                </a:solidFill>
-                <a:latin typeface="+mn-lt"/>
-                <a:ea typeface="+mn-ea"/>
-                <a:cs typeface="+mn-cs"/>
-              </a:defRPr>
-            </a:lvl1pPr>
-            <a:lvl2pPr marL="542925" indent="-276225" algn="l" defTabSz="914400" rtl="0" eaLnBrk="1" latinLnBrk="0" hangingPunct="1">
-              <a:lnSpc>
-                <a:spcPct val="90000"/>
-              </a:lnSpc>
-              <a:spcBef>
-                <a:spcPts val="500"/>
-              </a:spcBef>
-              <a:buFont typeface="Arial" panose="020B0604020202020204" pitchFamily="34" charset="0"/>
-              <a:buChar char="•"/>
-              <a:defRPr sz="1600" kern="1200">
-                <a:solidFill>
-                  <a:schemeClr val="tx1">
-                    <a:lumMod val="75000"/>
-                    <a:lumOff val="25000"/>
-                  </a:schemeClr>
-                </a:solidFill>
-                <a:latin typeface="+mn-lt"/>
-                <a:ea typeface="+mn-ea"/>
-                <a:cs typeface="+mn-cs"/>
-              </a:defRPr>
-            </a:lvl2pPr>
-            <a:lvl3pPr marL="809625" indent="-266700" algn="l" defTabSz="914400" rtl="0" eaLnBrk="1" latinLnBrk="0" hangingPunct="1">
-              <a:lnSpc>
-                <a:spcPct val="90000"/>
-              </a:lnSpc>
-              <a:spcBef>
-                <a:spcPts val="500"/>
-              </a:spcBef>
-              <a:buFont typeface="Arial" panose="020B0604020202020204" pitchFamily="34" charset="0"/>
-              <a:buChar char="•"/>
-              <a:defRPr sz="1400" kern="1200">
-                <a:solidFill>
-                  <a:schemeClr val="tx1">
-                    <a:lumMod val="75000"/>
-                    <a:lumOff val="25000"/>
-                  </a:schemeClr>
-                </a:solidFill>
-                <a:latin typeface="+mn-lt"/>
-                <a:ea typeface="+mn-ea"/>
-                <a:cs typeface="+mn-cs"/>
-              </a:defRPr>
-            </a:lvl3pPr>
-            <a:lvl4pPr marL="1076325" indent="-266700" algn="l" defTabSz="914400" rtl="0" eaLnBrk="1" latinLnBrk="0" hangingPunct="1">
-              <a:lnSpc>
-                <a:spcPct val="90000"/>
-              </a:lnSpc>
-              <a:spcBef>
-                <a:spcPts val="500"/>
-              </a:spcBef>
-              <a:buFont typeface="Arial" panose="020B0604020202020204" pitchFamily="34" charset="0"/>
-              <a:buChar char="•"/>
-              <a:defRPr sz="1400" kern="1200">
-                <a:solidFill>
-                  <a:schemeClr val="tx1">
-                    <a:lumMod val="75000"/>
-                    <a:lumOff val="25000"/>
-                  </a:schemeClr>
-                </a:solidFill>
-                <a:latin typeface="+mn-lt"/>
-                <a:ea typeface="+mn-ea"/>
-                <a:cs typeface="+mn-cs"/>
-              </a:defRPr>
-            </a:lvl4pPr>
-            <a:lvl5pPr marL="1343025" indent="-266700" algn="l" defTabSz="914400" rtl="0" eaLnBrk="1" latinLnBrk="0" hangingPunct="1">
-              <a:lnSpc>
-                <a:spcPct val="90000"/>
-              </a:lnSpc>
-              <a:spcBef>
-                <a:spcPts val="500"/>
-              </a:spcBef>
-              <a:buFont typeface="Arial" panose="020B0604020202020204" pitchFamily="34" charset="0"/>
-              <a:buChar char="•"/>
-              <a:defRPr sz="1400" kern="1200">
-                <a:solidFill>
-                  <a:schemeClr val="tx1">
-                    <a:lumMod val="75000"/>
-                    <a:lumOff val="25000"/>
-                  </a:schemeClr>
-                </a:solidFill>
-                <a:latin typeface="+mn-lt"/>
-                <a:ea typeface="+mn-ea"/>
-                <a:cs typeface="+mn-cs"/>
-              </a:defRPr>
-            </a:lvl5pPr>
-            <a:lvl6pPr marL="2514600" indent="-228600" algn="l" defTabSz="914400" rtl="0" eaLnBrk="1" latinLnBrk="0" hangingPunct="1">
-              <a:lnSpc>
-                <a:spcPct val="90000"/>
-              </a:lnSpc>
-              <a:spcBef>
-                <a:spcPts val="500"/>
-              </a:spcBef>
-              <a:buFont typeface="Arial" panose="020B0604020202020204" pitchFamily="34" charset="0"/>
-              <a:buChar char="•"/>
-              <a:defRPr sz="1800" kern="1200">
-                <a:solidFill>
-                  <a:schemeClr val="tx1"/>
-                </a:solidFill>
-                <a:latin typeface="+mn-lt"/>
-                <a:ea typeface="+mn-ea"/>
-                <a:cs typeface="+mn-cs"/>
-              </a:defRPr>
-            </a:lvl6pPr>
-            <a:lvl7pPr marL="2971800" indent="-228600" algn="l" defTabSz="914400" rtl="0" eaLnBrk="1" latinLnBrk="0" hangingPunct="1">
-              <a:lnSpc>
-                <a:spcPct val="90000"/>
-              </a:lnSpc>
-              <a:spcBef>
-                <a:spcPts val="500"/>
-              </a:spcBef>
-              <a:buFont typeface="Arial" panose="020B0604020202020204" pitchFamily="34" charset="0"/>
-              <a:buChar char="•"/>
-              <a:defRPr sz="1800" kern="1200">
-                <a:solidFill>
-                  <a:schemeClr val="tx1"/>
-                </a:solidFill>
-                <a:latin typeface="+mn-lt"/>
-                <a:ea typeface="+mn-ea"/>
-                <a:cs typeface="+mn-cs"/>
-              </a:defRPr>
-            </a:lvl7pPr>
-            <a:lvl8pPr marL="3429000" indent="-228600" algn="l" defTabSz="914400" rtl="0" eaLnBrk="1" latinLnBrk="0" hangingPunct="1">
-              <a:lnSpc>
-                <a:spcPct val="90000"/>
-              </a:lnSpc>
-              <a:spcBef>
-                <a:spcPts val="500"/>
-              </a:spcBef>
-              <a:buFont typeface="Arial" panose="020B0604020202020204" pitchFamily="34" charset="0"/>
-              <a:buChar char="•"/>
-              <a:defRPr sz="1800" kern="1200">
-                <a:solidFill>
-                  <a:schemeClr val="tx1"/>
-                </a:solidFill>
-                <a:latin typeface="+mn-lt"/>
-                <a:ea typeface="+mn-ea"/>
-                <a:cs typeface="+mn-cs"/>
-              </a:defRPr>
-            </a:lvl8pPr>
-            <a:lvl9pPr marL="3886200" indent="-228600" algn="l" defTabSz="914400" rtl="0" eaLnBrk="1" latinLnBrk="0" hangingPunct="1">
-              <a:lnSpc>
-                <a:spcPct val="90000"/>
-              </a:lnSpc>
-              <a:spcBef>
-                <a:spcPts val="500"/>
-              </a:spcBef>
-              <a:buFont typeface="Arial" panose="020B0604020202020204" pitchFamily="34" charset="0"/>
-              <a:buChar char="•"/>
-              <a:defRPr sz="1800" kern="1200">
-                <a:solidFill>
-                  <a:schemeClr val="tx1"/>
-                </a:solidFill>
-                <a:latin typeface="+mn-lt"/>
-                <a:ea typeface="+mn-ea"/>
-                <a:cs typeface="+mn-cs"/>
-              </a:defRPr>
-            </a:lvl9pPr>
-          </a:lstStyle>
-          <a:p>
-            <a:pPr marL="0" indent="0" algn="just">
-              <a:buFont typeface="Arial" panose="020B0604020202020204" pitchFamily="34" charset="0"/>
-              <a:buNone/>
-            </a:pPr>
-            <a:r>
-              <a:rPr lang="en-US" sz="1600" dirty="0">
-                <a:solidFill>
-                  <a:srgbClr val="202124"/>
-                </a:solidFill>
-                <a:latin typeface="Century" panose="02040604050505020304" pitchFamily="18" charset="0"/>
-              </a:rPr>
-              <a:t>The majority of the guests come from Europe but there are a lot of country in this dataset.</a:t>
-            </a:r>
-            <a:endParaRPr lang="it-IT" sz="1600" dirty="0">
-              <a:latin typeface="Century" panose="02040604050505020304" pitchFamily="18" charset="0"/>
-            </a:endParaRPr>
-          </a:p>
-        </p:txBody>
-      </p:sp>
-    </p:spTree>
-    <p:extLst>
-      <p:ext uri="{BB962C8B-B14F-4D97-AF65-F5344CB8AC3E}">
-        <p14:creationId xmlns:p14="http://schemas.microsoft.com/office/powerpoint/2010/main" val="198098283"/>
-      </p:ext>
-    </p:extLst>
-  </p:cSld>
-  <p:clrMapOvr>
-    <a:masterClrMapping/>
-  </p:clrMapOvr>
-</p:sld>
-</file>
-
 <file path=ppt/slides/slide12.xml><?xml version="1.0" encoding="utf-8"?>
 <p:sld xmlns:a="http://schemas.openxmlformats.org/drawingml/2006/main" xmlns:r="http://schemas.openxmlformats.org/officeDocument/2006/relationships" xmlns:p="http://schemas.openxmlformats.org/presentationml/2006/main">
   <p:cSld>
@@ -10404,6 +10842,331 @@
             <a:pPr rtl="0"/>
             <a:r>
               <a:rPr lang="it-IT" sz="3600" dirty="0" err="1"/>
+              <a:t>Map</a:t>
+            </a:r>
+            <a:r>
+              <a:rPr lang="it-IT" sz="3600" dirty="0"/>
+              <a:t> of % guests</a:t>
+            </a:r>
+          </a:p>
+        </p:txBody>
+      </p:sp>
+      <p:pic>
+        <p:nvPicPr>
+          <p:cNvPr id="4" name="Immagine 3" descr="Immagine che contiene testo&#10;&#10;Descrizione generata automaticamente">
+            <a:extLst>
+              <a:ext uri="{FF2B5EF4-FFF2-40B4-BE49-F238E27FC236}">
+                <a16:creationId xmlns:a16="http://schemas.microsoft.com/office/drawing/2014/main" id="{B3B3858F-0047-4CD2-AD35-375AE7045417}"/>
+              </a:ext>
+            </a:extLst>
+          </p:cNvPr>
+          <p:cNvPicPr>
+            <a:picLocks noChangeAspect="1"/>
+          </p:cNvPicPr>
+          <p:nvPr/>
+        </p:nvPicPr>
+        <p:blipFill rotWithShape="1">
+          <a:blip r:embed="rId3"/>
+          <a:srcRect t="19052" b="15936"/>
+          <a:stretch/>
+        </p:blipFill>
+        <p:spPr>
+          <a:xfrm>
+            <a:off x="838200" y="2139950"/>
+            <a:ext cx="7004321" cy="2927350"/>
+          </a:xfrm>
+          <a:prstGeom prst="rect">
+            <a:avLst/>
+          </a:prstGeom>
+        </p:spPr>
+      </p:pic>
+      <p:sp>
+        <p:nvSpPr>
+          <p:cNvPr id="6" name="Segnaposto testo 7">
+            <a:extLst>
+              <a:ext uri="{FF2B5EF4-FFF2-40B4-BE49-F238E27FC236}">
+                <a16:creationId xmlns:a16="http://schemas.microsoft.com/office/drawing/2014/main" id="{B2CBCF0B-BD92-43DA-952D-5EBFE1A1EA0A}"/>
+              </a:ext>
+            </a:extLst>
+          </p:cNvPr>
+          <p:cNvSpPr txBox="1">
+            <a:spLocks/>
+          </p:cNvSpPr>
+          <p:nvPr/>
+        </p:nvSpPr>
+        <p:spPr>
+          <a:xfrm>
+            <a:off x="8280400" y="2855307"/>
+            <a:ext cx="3073400" cy="1147386"/>
+          </a:xfrm>
+          <a:prstGeom prst="rect">
+            <a:avLst/>
+          </a:prstGeom>
+          <a:noFill/>
+        </p:spPr>
+        <p:txBody>
+          <a:bodyPr rtlCol="0"/>
+          <a:lstStyle>
+            <a:lvl1pPr marL="266700" indent="-266700" algn="l" defTabSz="914400" rtl="0" eaLnBrk="1" latinLnBrk="0" hangingPunct="1">
+              <a:lnSpc>
+                <a:spcPct val="90000"/>
+              </a:lnSpc>
+              <a:spcBef>
+                <a:spcPts val="1000"/>
+              </a:spcBef>
+              <a:buFont typeface="Arial" panose="020B0604020202020204" pitchFamily="34" charset="0"/>
+              <a:buChar char="•"/>
+              <a:defRPr sz="1800" kern="1200">
+                <a:solidFill>
+                  <a:schemeClr val="tx1">
+                    <a:lumMod val="75000"/>
+                    <a:lumOff val="25000"/>
+                  </a:schemeClr>
+                </a:solidFill>
+                <a:latin typeface="+mn-lt"/>
+                <a:ea typeface="+mn-ea"/>
+                <a:cs typeface="+mn-cs"/>
+              </a:defRPr>
+            </a:lvl1pPr>
+            <a:lvl2pPr marL="542925" indent="-276225" algn="l" defTabSz="914400" rtl="0" eaLnBrk="1" latinLnBrk="0" hangingPunct="1">
+              <a:lnSpc>
+                <a:spcPct val="90000"/>
+              </a:lnSpc>
+              <a:spcBef>
+                <a:spcPts val="500"/>
+              </a:spcBef>
+              <a:buFont typeface="Arial" panose="020B0604020202020204" pitchFamily="34" charset="0"/>
+              <a:buChar char="•"/>
+              <a:defRPr sz="1600" kern="1200">
+                <a:solidFill>
+                  <a:schemeClr val="tx1">
+                    <a:lumMod val="75000"/>
+                    <a:lumOff val="25000"/>
+                  </a:schemeClr>
+                </a:solidFill>
+                <a:latin typeface="+mn-lt"/>
+                <a:ea typeface="+mn-ea"/>
+                <a:cs typeface="+mn-cs"/>
+              </a:defRPr>
+            </a:lvl2pPr>
+            <a:lvl3pPr marL="809625" indent="-266700" algn="l" defTabSz="914400" rtl="0" eaLnBrk="1" latinLnBrk="0" hangingPunct="1">
+              <a:lnSpc>
+                <a:spcPct val="90000"/>
+              </a:lnSpc>
+              <a:spcBef>
+                <a:spcPts val="500"/>
+              </a:spcBef>
+              <a:buFont typeface="Arial" panose="020B0604020202020204" pitchFamily="34" charset="0"/>
+              <a:buChar char="•"/>
+              <a:defRPr sz="1400" kern="1200">
+                <a:solidFill>
+                  <a:schemeClr val="tx1">
+                    <a:lumMod val="75000"/>
+                    <a:lumOff val="25000"/>
+                  </a:schemeClr>
+                </a:solidFill>
+                <a:latin typeface="+mn-lt"/>
+                <a:ea typeface="+mn-ea"/>
+                <a:cs typeface="+mn-cs"/>
+              </a:defRPr>
+            </a:lvl3pPr>
+            <a:lvl4pPr marL="1076325" indent="-266700" algn="l" defTabSz="914400" rtl="0" eaLnBrk="1" latinLnBrk="0" hangingPunct="1">
+              <a:lnSpc>
+                <a:spcPct val="90000"/>
+              </a:lnSpc>
+              <a:spcBef>
+                <a:spcPts val="500"/>
+              </a:spcBef>
+              <a:buFont typeface="Arial" panose="020B0604020202020204" pitchFamily="34" charset="0"/>
+              <a:buChar char="•"/>
+              <a:defRPr sz="1400" kern="1200">
+                <a:solidFill>
+                  <a:schemeClr val="tx1">
+                    <a:lumMod val="75000"/>
+                    <a:lumOff val="25000"/>
+                  </a:schemeClr>
+                </a:solidFill>
+                <a:latin typeface="+mn-lt"/>
+                <a:ea typeface="+mn-ea"/>
+                <a:cs typeface="+mn-cs"/>
+              </a:defRPr>
+            </a:lvl4pPr>
+            <a:lvl5pPr marL="1343025" indent="-266700" algn="l" defTabSz="914400" rtl="0" eaLnBrk="1" latinLnBrk="0" hangingPunct="1">
+              <a:lnSpc>
+                <a:spcPct val="90000"/>
+              </a:lnSpc>
+              <a:spcBef>
+                <a:spcPts val="500"/>
+              </a:spcBef>
+              <a:buFont typeface="Arial" panose="020B0604020202020204" pitchFamily="34" charset="0"/>
+              <a:buChar char="•"/>
+              <a:defRPr sz="1400" kern="1200">
+                <a:solidFill>
+                  <a:schemeClr val="tx1">
+                    <a:lumMod val="75000"/>
+                    <a:lumOff val="25000"/>
+                  </a:schemeClr>
+                </a:solidFill>
+                <a:latin typeface="+mn-lt"/>
+                <a:ea typeface="+mn-ea"/>
+                <a:cs typeface="+mn-cs"/>
+              </a:defRPr>
+            </a:lvl5pPr>
+            <a:lvl6pPr marL="2514600" indent="-228600" algn="l" defTabSz="914400" rtl="0" eaLnBrk="1" latinLnBrk="0" hangingPunct="1">
+              <a:lnSpc>
+                <a:spcPct val="90000"/>
+              </a:lnSpc>
+              <a:spcBef>
+                <a:spcPts val="500"/>
+              </a:spcBef>
+              <a:buFont typeface="Arial" panose="020B0604020202020204" pitchFamily="34" charset="0"/>
+              <a:buChar char="•"/>
+              <a:defRPr sz="1800" kern="1200">
+                <a:solidFill>
+                  <a:schemeClr val="tx1"/>
+                </a:solidFill>
+                <a:latin typeface="+mn-lt"/>
+                <a:ea typeface="+mn-ea"/>
+                <a:cs typeface="+mn-cs"/>
+              </a:defRPr>
+            </a:lvl6pPr>
+            <a:lvl7pPr marL="2971800" indent="-228600" algn="l" defTabSz="914400" rtl="0" eaLnBrk="1" latinLnBrk="0" hangingPunct="1">
+              <a:lnSpc>
+                <a:spcPct val="90000"/>
+              </a:lnSpc>
+              <a:spcBef>
+                <a:spcPts val="500"/>
+              </a:spcBef>
+              <a:buFont typeface="Arial" panose="020B0604020202020204" pitchFamily="34" charset="0"/>
+              <a:buChar char="•"/>
+              <a:defRPr sz="1800" kern="1200">
+                <a:solidFill>
+                  <a:schemeClr val="tx1"/>
+                </a:solidFill>
+                <a:latin typeface="+mn-lt"/>
+                <a:ea typeface="+mn-ea"/>
+                <a:cs typeface="+mn-cs"/>
+              </a:defRPr>
+            </a:lvl7pPr>
+            <a:lvl8pPr marL="3429000" indent="-228600" algn="l" defTabSz="914400" rtl="0" eaLnBrk="1" latinLnBrk="0" hangingPunct="1">
+              <a:lnSpc>
+                <a:spcPct val="90000"/>
+              </a:lnSpc>
+              <a:spcBef>
+                <a:spcPts val="500"/>
+              </a:spcBef>
+              <a:buFont typeface="Arial" panose="020B0604020202020204" pitchFamily="34" charset="0"/>
+              <a:buChar char="•"/>
+              <a:defRPr sz="1800" kern="1200">
+                <a:solidFill>
+                  <a:schemeClr val="tx1"/>
+                </a:solidFill>
+                <a:latin typeface="+mn-lt"/>
+                <a:ea typeface="+mn-ea"/>
+                <a:cs typeface="+mn-cs"/>
+              </a:defRPr>
+            </a:lvl8pPr>
+            <a:lvl9pPr marL="3886200" indent="-228600" algn="l" defTabSz="914400" rtl="0" eaLnBrk="1" latinLnBrk="0" hangingPunct="1">
+              <a:lnSpc>
+                <a:spcPct val="90000"/>
+              </a:lnSpc>
+              <a:spcBef>
+                <a:spcPts val="500"/>
+              </a:spcBef>
+              <a:buFont typeface="Arial" panose="020B0604020202020204" pitchFamily="34" charset="0"/>
+              <a:buChar char="•"/>
+              <a:defRPr sz="1800" kern="1200">
+                <a:solidFill>
+                  <a:schemeClr val="tx1"/>
+                </a:solidFill>
+                <a:latin typeface="+mn-lt"/>
+                <a:ea typeface="+mn-ea"/>
+                <a:cs typeface="+mn-cs"/>
+              </a:defRPr>
+            </a:lvl9pPr>
+          </a:lstStyle>
+          <a:p>
+            <a:pPr marL="0" indent="0" algn="just">
+              <a:buFont typeface="Arial" panose="020B0604020202020204" pitchFamily="34" charset="0"/>
+              <a:buNone/>
+            </a:pPr>
+            <a:r>
+              <a:rPr lang="en-US" sz="1600" dirty="0">
+                <a:solidFill>
+                  <a:srgbClr val="202124"/>
+                </a:solidFill>
+                <a:latin typeface="Century" panose="02040604050505020304" pitchFamily="18" charset="0"/>
+              </a:rPr>
+              <a:t>The majority of the guests come from Europe but there are a lot of country in this dataset.</a:t>
+            </a:r>
+            <a:endParaRPr lang="it-IT" sz="1600" dirty="0">
+              <a:latin typeface="Century" panose="02040604050505020304" pitchFamily="18" charset="0"/>
+            </a:endParaRPr>
+          </a:p>
+        </p:txBody>
+      </p:sp>
+    </p:spTree>
+    <p:extLst>
+      <p:ext uri="{BB962C8B-B14F-4D97-AF65-F5344CB8AC3E}">
+        <p14:creationId xmlns:p14="http://schemas.microsoft.com/office/powerpoint/2010/main" val="198098283"/>
+      </p:ext>
+    </p:extLst>
+  </p:cSld>
+  <p:clrMapOvr>
+    <a:masterClrMapping/>
+  </p:clrMapOvr>
+</p:sld>
+</file>
+
+<file path=ppt/slides/slide13.xml><?xml version="1.0" encoding="utf-8"?>
+<p:sld xmlns:a="http://schemas.openxmlformats.org/drawingml/2006/main" xmlns:r="http://schemas.openxmlformats.org/officeDocument/2006/relationships" xmlns:p="http://schemas.openxmlformats.org/presentationml/2006/main">
+  <p:cSld>
+    <p:bg>
+      <p:bgPr>
+        <a:solidFill>
+          <a:schemeClr val="bg1"/>
+        </a:solidFill>
+        <a:effectLst/>
+      </p:bgPr>
+    </p:bg>
+    <p:spTree>
+      <p:nvGrpSpPr>
+        <p:cNvPr id="1" name=""/>
+        <p:cNvGrpSpPr/>
+        <p:nvPr/>
+      </p:nvGrpSpPr>
+      <p:grpSpPr>
+        <a:xfrm>
+          <a:off x="0" y="0"/>
+          <a:ext cx="0" cy="0"/>
+          <a:chOff x="0" y="0"/>
+          <a:chExt cx="0" cy="0"/>
+        </a:xfrm>
+      </p:grpSpPr>
+      <p:sp>
+        <p:nvSpPr>
+          <p:cNvPr id="5" name="Titolo 4">
+            <a:extLst>
+              <a:ext uri="{FF2B5EF4-FFF2-40B4-BE49-F238E27FC236}">
+                <a16:creationId xmlns:a16="http://schemas.microsoft.com/office/drawing/2014/main" id="{BA86A9EC-640F-47FB-AA92-2851B3012347}"/>
+              </a:ext>
+            </a:extLst>
+          </p:cNvPr>
+          <p:cNvSpPr>
+            <a:spLocks noGrp="1"/>
+          </p:cNvSpPr>
+          <p:nvPr>
+            <p:ph type="title"/>
+          </p:nvPr>
+        </p:nvSpPr>
+        <p:spPr/>
+        <p:txBody>
+          <a:bodyPr rtlCol="0"/>
+          <a:lstStyle/>
+          <a:p>
+            <a:pPr rtl="0"/>
+            <a:r>
+              <a:rPr lang="it-IT" sz="3600" dirty="0" err="1"/>
               <a:t>Variables</a:t>
             </a:r>
             <a:r>
@@ -10545,7 +11308,7 @@
 </p:sld>
 </file>
 
-<file path=ppt/slides/slide13.xml><?xml version="1.0" encoding="utf-8"?>
+<file path=ppt/slides/slide14.xml><?xml version="1.0" encoding="utf-8"?>
 <p:sld xmlns:a="http://schemas.openxmlformats.org/drawingml/2006/main" xmlns:r="http://schemas.openxmlformats.org/officeDocument/2006/relationships" xmlns:p="http://schemas.openxmlformats.org/presentationml/2006/main">
   <p:cSld>
     <p:bg>
@@ -11042,7 +11805,7 @@
 </p:sld>
 </file>
 
-<file path=ppt/slides/slide14.xml><?xml version="1.0" encoding="utf-8"?>
+<file path=ppt/slides/slide15.xml><?xml version="1.0" encoding="utf-8"?>
 <p:sld xmlns:a="http://schemas.openxmlformats.org/drawingml/2006/main" xmlns:r="http://schemas.openxmlformats.org/officeDocument/2006/relationships" xmlns:p="http://schemas.openxmlformats.org/presentationml/2006/main">
   <p:cSld>
     <p:bg>
@@ -12254,7 +13017,7 @@
 </p:sld>
 </file>
 
-<file path=ppt/slides/slide15.xml><?xml version="1.0" encoding="utf-8"?>
+<file path=ppt/slides/slide16.xml><?xml version="1.0" encoding="utf-8"?>
 <p:sld xmlns:a="http://schemas.openxmlformats.org/drawingml/2006/main" xmlns:r="http://schemas.openxmlformats.org/officeDocument/2006/relationships" xmlns:p="http://schemas.openxmlformats.org/presentationml/2006/main">
   <p:cSld>
     <p:bg>
@@ -12778,7 +13541,7 @@
 </p:sld>
 </file>
 
-<file path=ppt/slides/slide16.xml><?xml version="1.0" encoding="utf-8"?>
+<file path=ppt/slides/slide17.xml><?xml version="1.0" encoding="utf-8"?>
 <p:sld xmlns:a="http://schemas.openxmlformats.org/drawingml/2006/main" xmlns:r="http://schemas.openxmlformats.org/officeDocument/2006/relationships" xmlns:p="http://schemas.openxmlformats.org/presentationml/2006/main">
   <p:cSld>
     <p:bg>
@@ -13167,14 +13930,6 @@
 <file path=ppt/slides/slide2.xml><?xml version="1.0" encoding="utf-8"?>
 <p:sld xmlns:a="http://schemas.openxmlformats.org/drawingml/2006/main" xmlns:r="http://schemas.openxmlformats.org/officeDocument/2006/relationships" xmlns:p="http://schemas.openxmlformats.org/presentationml/2006/main">
   <p:cSld>
-    <p:bg>
-      <p:bgPr>
-        <a:solidFill>
-          <a:schemeClr val="bg1"/>
-        </a:solidFill>
-        <a:effectLst/>
-      </p:bgPr>
-    </p:bg>
     <p:spTree>
       <p:nvGrpSpPr>
         <p:cNvPr id="1" name=""/>
@@ -13191,6 +13946,102 @@
       </p:grpSpPr>
       <p:sp>
         <p:nvSpPr>
+          <p:cNvPr id="7" name="Segnaposto testo 6">
+            <a:extLst>
+              <a:ext uri="{FF2B5EF4-FFF2-40B4-BE49-F238E27FC236}">
+                <a16:creationId xmlns:a16="http://schemas.microsoft.com/office/drawing/2014/main" id="{B21C28F5-3CA3-4B78-B5C9-550C00BB3174}"/>
+              </a:ext>
+            </a:extLst>
+          </p:cNvPr>
+          <p:cNvSpPr>
+            <a:spLocks noGrp="1"/>
+          </p:cNvSpPr>
+          <p:nvPr>
+            <p:ph type="body" sz="quarter" idx="12"/>
+          </p:nvPr>
+        </p:nvSpPr>
+        <p:spPr>
+          <a:xfrm>
+            <a:off x="660400" y="2044700"/>
+            <a:ext cx="4275138" cy="3560763"/>
+          </a:xfrm>
+        </p:spPr>
+        <p:txBody>
+          <a:bodyPr rtlCol="0">
+            <a:normAutofit/>
+          </a:bodyPr>
+          <a:lstStyle/>
+          <a:p>
+            <a:pPr rtl="0"/>
+            <a:r>
+              <a:rPr lang="it-IT" dirty="0" err="1"/>
+              <a:t>Introduction</a:t>
+            </a:r>
+            <a:endParaRPr lang="it-IT" dirty="0"/>
+          </a:p>
+          <a:p>
+            <a:pPr rtl="0"/>
+            <a:r>
+              <a:rPr lang="it-IT" dirty="0"/>
+              <a:t>Dataset</a:t>
+            </a:r>
+          </a:p>
+          <a:p>
+            <a:pPr rtl="0"/>
+            <a:r>
+              <a:rPr lang="it-IT" dirty="0"/>
+              <a:t>EDA</a:t>
+            </a:r>
+          </a:p>
+          <a:p>
+            <a:pPr rtl="0"/>
+            <a:r>
+              <a:rPr lang="it-IT" dirty="0"/>
+              <a:t>Model</a:t>
+            </a:r>
+          </a:p>
+          <a:p>
+            <a:pPr rtl="0"/>
+            <a:r>
+              <a:rPr lang="it-IT" dirty="0" err="1"/>
+              <a:t>Conclusions</a:t>
+            </a:r>
+            <a:endParaRPr lang="it-IT" dirty="0"/>
+          </a:p>
+        </p:txBody>
+      </p:sp>
+      <p:pic>
+        <p:nvPicPr>
+          <p:cNvPr id="12" name="Segnaposto immagine 11">
+            <a:extLst>
+              <a:ext uri="{FF2B5EF4-FFF2-40B4-BE49-F238E27FC236}">
+                <a16:creationId xmlns:a16="http://schemas.microsoft.com/office/drawing/2014/main" id="{F9453D20-68D4-4876-A1FA-C4F01DD92C0B}"/>
+              </a:ext>
+            </a:extLst>
+          </p:cNvPr>
+          <p:cNvPicPr>
+            <a:picLocks noGrp="1" noChangeAspect="1"/>
+          </p:cNvPicPr>
+          <p:nvPr>
+            <p:ph type="pic" sz="quarter" idx="13"/>
+          </p:nvPr>
+        </p:nvPicPr>
+        <p:blipFill>
+          <a:blip r:embed="rId3"/>
+          <a:srcRect l="27212" r="27212"/>
+          <a:stretch>
+            <a:fillRect/>
+          </a:stretch>
+        </p:blipFill>
+        <p:spPr>
+          <a:xfrm>
+            <a:off x="7089775" y="785813"/>
+            <a:ext cx="4441825" cy="5392737"/>
+          </a:xfrm>
+        </p:spPr>
+      </p:pic>
+      <p:sp>
+        <p:nvSpPr>
           <p:cNvPr id="9" name="Titolo 8">
             <a:extLst>
               <a:ext uri="{FF2B5EF4-FFF2-40B4-BE49-F238E27FC236}">
@@ -13205,107 +14056,30 @@
             <p:ph type="title"/>
           </p:nvPr>
         </p:nvSpPr>
-        <p:spPr/>
-        <p:txBody>
-          <a:bodyPr rtlCol="0"/>
+        <p:spPr>
+          <a:xfrm>
+            <a:off x="660400" y="805213"/>
+            <a:ext cx="4275138" cy="830997"/>
+          </a:xfrm>
+        </p:spPr>
+        <p:txBody>
+          <a:bodyPr rtlCol="0">
+            <a:normAutofit/>
+          </a:bodyPr>
           <a:lstStyle/>
           <a:p>
             <a:pPr rtl="0"/>
             <a:r>
-              <a:rPr lang="it-IT" sz="3600" dirty="0"/>
+              <a:rPr lang="it-IT"/>
               <a:t>Agenda</a:t>
             </a:r>
           </a:p>
         </p:txBody>
       </p:sp>
-      <p:sp>
-        <p:nvSpPr>
-          <p:cNvPr id="7" name="Segnaposto testo 6">
-            <a:extLst>
-              <a:ext uri="{FF2B5EF4-FFF2-40B4-BE49-F238E27FC236}">
-                <a16:creationId xmlns:a16="http://schemas.microsoft.com/office/drawing/2014/main" id="{B21C28F5-3CA3-4B78-B5C9-550C00BB3174}"/>
-              </a:ext>
-            </a:extLst>
-          </p:cNvPr>
-          <p:cNvSpPr>
-            <a:spLocks noGrp="1"/>
-          </p:cNvSpPr>
-          <p:nvPr>
-            <p:ph type="body" sz="quarter" idx="12"/>
-          </p:nvPr>
-        </p:nvSpPr>
-        <p:spPr/>
-        <p:txBody>
-          <a:bodyPr rtlCol="0"/>
-          <a:lstStyle/>
-          <a:p>
-            <a:pPr rtl="0"/>
-            <a:r>
-              <a:rPr lang="it-IT" dirty="0" err="1"/>
-              <a:t>Introduction</a:t>
-            </a:r>
-            <a:endParaRPr lang="it-IT" dirty="0"/>
-          </a:p>
-          <a:p>
-            <a:pPr rtl="0"/>
-            <a:r>
-              <a:rPr lang="it-IT" dirty="0"/>
-              <a:t>Dataset</a:t>
-            </a:r>
-          </a:p>
-          <a:p>
-            <a:pPr rtl="0"/>
-            <a:r>
-              <a:rPr lang="it-IT" dirty="0"/>
-              <a:t>EDA</a:t>
-            </a:r>
-          </a:p>
-          <a:p>
-            <a:pPr rtl="0"/>
-            <a:r>
-              <a:rPr lang="it-IT" dirty="0"/>
-              <a:t>Model</a:t>
-            </a:r>
-          </a:p>
-          <a:p>
-            <a:pPr rtl="0"/>
-            <a:r>
-              <a:rPr lang="it-IT" dirty="0" err="1"/>
-              <a:t>Conclusions</a:t>
-            </a:r>
-            <a:endParaRPr lang="it-IT" dirty="0"/>
-          </a:p>
-        </p:txBody>
-      </p:sp>
-      <p:pic>
-        <p:nvPicPr>
-          <p:cNvPr id="11" name="Segnaposto immagine 10" descr="primo piano di un edificio">
-            <a:extLst>
-              <a:ext uri="{FF2B5EF4-FFF2-40B4-BE49-F238E27FC236}">
-                <a16:creationId xmlns:a16="http://schemas.microsoft.com/office/drawing/2014/main" id="{1CE2008D-DBCE-465F-90DA-B28A4E525131}"/>
-              </a:ext>
-            </a:extLst>
-          </p:cNvPr>
-          <p:cNvPicPr>
-            <a:picLocks noGrp="1" noChangeAspect="1"/>
-          </p:cNvPicPr>
-          <p:nvPr>
-            <p:ph type="pic" sz="quarter" idx="10"/>
-          </p:nvPr>
-        </p:nvPicPr>
-        <p:blipFill>
-          <a:blip r:embed="rId3"/>
-          <a:srcRect l="15351" r="15351"/>
-          <a:stretch>
-            <a:fillRect/>
-          </a:stretch>
-        </p:blipFill>
-        <p:spPr/>
-      </p:pic>
     </p:spTree>
     <p:extLst>
       <p:ext uri="{BB962C8B-B14F-4D97-AF65-F5344CB8AC3E}">
-        <p14:creationId xmlns:p14="http://schemas.microsoft.com/office/powerpoint/2010/main" val="1341901065"/>
+        <p14:creationId xmlns:p14="http://schemas.microsoft.com/office/powerpoint/2010/main" val="2658184802"/>
       </p:ext>
     </p:extLst>
   </p:cSld>
@@ -13406,10 +14180,10 @@
       </p:sp>
       <p:pic>
         <p:nvPicPr>
-          <p:cNvPr id="4" name="Segnaposto immagine 3" descr="primo piano di un edificio">
-            <a:extLst>
-              <a:ext uri="{FF2B5EF4-FFF2-40B4-BE49-F238E27FC236}">
-                <a16:creationId xmlns:a16="http://schemas.microsoft.com/office/drawing/2014/main" id="{5EAB7860-C105-46A8-8B51-C886DCFAB528}"/>
+          <p:cNvPr id="14" name="Segnaposto immagine 13">
+            <a:extLst>
+              <a:ext uri="{FF2B5EF4-FFF2-40B4-BE49-F238E27FC236}">
+                <a16:creationId xmlns:a16="http://schemas.microsoft.com/office/drawing/2014/main" id="{61C2893A-A0F9-4253-AB04-08F47A7FA8E4}"/>
               </a:ext>
             </a:extLst>
           </p:cNvPr>
@@ -13432,7 +14206,7 @@
     </p:spTree>
     <p:extLst>
       <p:ext uri="{BB962C8B-B14F-4D97-AF65-F5344CB8AC3E}">
-        <p14:creationId xmlns:p14="http://schemas.microsoft.com/office/powerpoint/2010/main" val="3696770303"/>
+        <p14:creationId xmlns:p14="http://schemas.microsoft.com/office/powerpoint/2010/main" val="1188078275"/>
       </p:ext>
     </p:extLst>
   </p:cSld>
@@ -13711,10 +14485,10 @@
       </p:sp>
       <p:pic>
         <p:nvPicPr>
-          <p:cNvPr id="4" name="Segnaposto immagine 3" descr="primo piano di un edificio">
-            <a:extLst>
-              <a:ext uri="{FF2B5EF4-FFF2-40B4-BE49-F238E27FC236}">
-                <a16:creationId xmlns:a16="http://schemas.microsoft.com/office/drawing/2014/main" id="{5EAB7860-C105-46A8-8B51-C886DCFAB528}"/>
+          <p:cNvPr id="15" name="Segnaposto immagine 14">
+            <a:extLst>
+              <a:ext uri="{FF2B5EF4-FFF2-40B4-BE49-F238E27FC236}">
+                <a16:creationId xmlns:a16="http://schemas.microsoft.com/office/drawing/2014/main" id="{76648642-252E-4253-9982-382AC3CE6EB2}"/>
               </a:ext>
             </a:extLst>
           </p:cNvPr>
@@ -13727,17 +14501,47 @@
         </p:nvPicPr>
         <p:blipFill>
           <a:blip r:embed="rId3"/>
-          <a:srcRect l="22544" r="22544"/>
+          <a:srcRect l="8817" r="8817"/>
           <a:stretch>
             <a:fillRect/>
           </a:stretch>
         </p:blipFill>
         <p:spPr/>
       </p:pic>
+      <p:pic>
+        <p:nvPicPr>
+          <p:cNvPr id="17" name="Immagine 16">
+            <a:extLst>
+              <a:ext uri="{FF2B5EF4-FFF2-40B4-BE49-F238E27FC236}">
+                <a16:creationId xmlns:a16="http://schemas.microsoft.com/office/drawing/2014/main" id="{75D3DC84-434A-4A99-AFE9-8FB6B0AF152C}"/>
+              </a:ext>
+            </a:extLst>
+          </p:cNvPr>
+          <p:cNvPicPr>
+            <a:picLocks noChangeAspect="1"/>
+          </p:cNvPicPr>
+          <p:nvPr/>
+        </p:nvPicPr>
+        <p:blipFill>
+          <a:blip r:embed="rId4"/>
+          <a:stretch>
+            <a:fillRect/>
+          </a:stretch>
+        </p:blipFill>
+        <p:spPr>
+          <a:xfrm>
+            <a:off x="7090227" y="882945"/>
+            <a:ext cx="2151574" cy="830997"/>
+          </a:xfrm>
+          <a:prstGeom prst="rect">
+            <a:avLst/>
+          </a:prstGeom>
+        </p:spPr>
+      </p:pic>
     </p:spTree>
     <p:extLst>
       <p:ext uri="{BB962C8B-B14F-4D97-AF65-F5344CB8AC3E}">
-        <p14:creationId xmlns:p14="http://schemas.microsoft.com/office/powerpoint/2010/main" val="2521136520"/>
+        <p14:creationId xmlns:p14="http://schemas.microsoft.com/office/powerpoint/2010/main" val="884633702"/>
       </p:ext>
     </p:extLst>
   </p:cSld>
@@ -14115,10 +14919,299 @@
           </a:p>
         </p:txBody>
       </p:sp>
+      <p:pic>
+        <p:nvPicPr>
+          <p:cNvPr id="3" name="Immagine 2">
+            <a:extLst>
+              <a:ext uri="{FF2B5EF4-FFF2-40B4-BE49-F238E27FC236}">
+                <a16:creationId xmlns:a16="http://schemas.microsoft.com/office/drawing/2014/main" id="{179C8968-0E69-4981-96A7-9A1BDE27C936}"/>
+              </a:ext>
+            </a:extLst>
+          </p:cNvPr>
+          <p:cNvPicPr>
+            <a:picLocks noChangeAspect="1"/>
+          </p:cNvPicPr>
+          <p:nvPr/>
+        </p:nvPicPr>
+        <p:blipFill rotWithShape="1">
+          <a:blip r:embed="rId3"/>
+          <a:srcRect t="7858" b="36248"/>
+          <a:stretch/>
+        </p:blipFill>
+        <p:spPr>
+          <a:xfrm>
+            <a:off x="1189383" y="1720368"/>
+            <a:ext cx="6682409" cy="4303525"/>
+          </a:xfrm>
+          <a:prstGeom prst="rect">
+            <a:avLst/>
+          </a:prstGeom>
+        </p:spPr>
+      </p:pic>
+      <p:sp>
+        <p:nvSpPr>
+          <p:cNvPr id="5" name="Segnaposto testo 7">
+            <a:extLst>
+              <a:ext uri="{FF2B5EF4-FFF2-40B4-BE49-F238E27FC236}">
+                <a16:creationId xmlns:a16="http://schemas.microsoft.com/office/drawing/2014/main" id="{EABC2602-7808-4453-B7B0-D5BA4846A9AE}"/>
+              </a:ext>
+            </a:extLst>
+          </p:cNvPr>
+          <p:cNvSpPr txBox="1">
+            <a:spLocks/>
+          </p:cNvSpPr>
+          <p:nvPr/>
+        </p:nvSpPr>
+        <p:spPr>
+          <a:xfrm>
+            <a:off x="8483600" y="3028511"/>
+            <a:ext cx="2870200" cy="1754983"/>
+          </a:xfrm>
+          <a:prstGeom prst="rect">
+            <a:avLst/>
+          </a:prstGeom>
+          <a:noFill/>
+        </p:spPr>
+        <p:txBody>
+          <a:bodyPr rtlCol="0"/>
+          <a:lstStyle>
+            <a:lvl1pPr marL="266700" indent="-266700" algn="l" defTabSz="914400" rtl="0" eaLnBrk="1" latinLnBrk="0" hangingPunct="1">
+              <a:lnSpc>
+                <a:spcPct val="90000"/>
+              </a:lnSpc>
+              <a:spcBef>
+                <a:spcPts val="1000"/>
+              </a:spcBef>
+              <a:buFont typeface="Arial" panose="020B0604020202020204" pitchFamily="34" charset="0"/>
+              <a:buChar char="•"/>
+              <a:defRPr sz="1800" kern="1200">
+                <a:solidFill>
+                  <a:schemeClr val="tx1">
+                    <a:lumMod val="75000"/>
+                    <a:lumOff val="25000"/>
+                  </a:schemeClr>
+                </a:solidFill>
+                <a:latin typeface="+mn-lt"/>
+                <a:ea typeface="+mn-ea"/>
+                <a:cs typeface="+mn-cs"/>
+              </a:defRPr>
+            </a:lvl1pPr>
+            <a:lvl2pPr marL="542925" indent="-276225" algn="l" defTabSz="914400" rtl="0" eaLnBrk="1" latinLnBrk="0" hangingPunct="1">
+              <a:lnSpc>
+                <a:spcPct val="90000"/>
+              </a:lnSpc>
+              <a:spcBef>
+                <a:spcPts val="500"/>
+              </a:spcBef>
+              <a:buFont typeface="Arial" panose="020B0604020202020204" pitchFamily="34" charset="0"/>
+              <a:buChar char="•"/>
+              <a:defRPr sz="1600" kern="1200">
+                <a:solidFill>
+                  <a:schemeClr val="tx1">
+                    <a:lumMod val="75000"/>
+                    <a:lumOff val="25000"/>
+                  </a:schemeClr>
+                </a:solidFill>
+                <a:latin typeface="+mn-lt"/>
+                <a:ea typeface="+mn-ea"/>
+                <a:cs typeface="+mn-cs"/>
+              </a:defRPr>
+            </a:lvl2pPr>
+            <a:lvl3pPr marL="809625" indent="-266700" algn="l" defTabSz="914400" rtl="0" eaLnBrk="1" latinLnBrk="0" hangingPunct="1">
+              <a:lnSpc>
+                <a:spcPct val="90000"/>
+              </a:lnSpc>
+              <a:spcBef>
+                <a:spcPts val="500"/>
+              </a:spcBef>
+              <a:buFont typeface="Arial" panose="020B0604020202020204" pitchFamily="34" charset="0"/>
+              <a:buChar char="•"/>
+              <a:defRPr sz="1400" kern="1200">
+                <a:solidFill>
+                  <a:schemeClr val="tx1">
+                    <a:lumMod val="75000"/>
+                    <a:lumOff val="25000"/>
+                  </a:schemeClr>
+                </a:solidFill>
+                <a:latin typeface="+mn-lt"/>
+                <a:ea typeface="+mn-ea"/>
+                <a:cs typeface="+mn-cs"/>
+              </a:defRPr>
+            </a:lvl3pPr>
+            <a:lvl4pPr marL="1076325" indent="-266700" algn="l" defTabSz="914400" rtl="0" eaLnBrk="1" latinLnBrk="0" hangingPunct="1">
+              <a:lnSpc>
+                <a:spcPct val="90000"/>
+              </a:lnSpc>
+              <a:spcBef>
+                <a:spcPts val="500"/>
+              </a:spcBef>
+              <a:buFont typeface="Arial" panose="020B0604020202020204" pitchFamily="34" charset="0"/>
+              <a:buChar char="•"/>
+              <a:defRPr sz="1400" kern="1200">
+                <a:solidFill>
+                  <a:schemeClr val="tx1">
+                    <a:lumMod val="75000"/>
+                    <a:lumOff val="25000"/>
+                  </a:schemeClr>
+                </a:solidFill>
+                <a:latin typeface="+mn-lt"/>
+                <a:ea typeface="+mn-ea"/>
+                <a:cs typeface="+mn-cs"/>
+              </a:defRPr>
+            </a:lvl4pPr>
+            <a:lvl5pPr marL="1343025" indent="-266700" algn="l" defTabSz="914400" rtl="0" eaLnBrk="1" latinLnBrk="0" hangingPunct="1">
+              <a:lnSpc>
+                <a:spcPct val="90000"/>
+              </a:lnSpc>
+              <a:spcBef>
+                <a:spcPts val="500"/>
+              </a:spcBef>
+              <a:buFont typeface="Arial" panose="020B0604020202020204" pitchFamily="34" charset="0"/>
+              <a:buChar char="•"/>
+              <a:defRPr sz="1400" kern="1200">
+                <a:solidFill>
+                  <a:schemeClr val="tx1">
+                    <a:lumMod val="75000"/>
+                    <a:lumOff val="25000"/>
+                  </a:schemeClr>
+                </a:solidFill>
+                <a:latin typeface="+mn-lt"/>
+                <a:ea typeface="+mn-ea"/>
+                <a:cs typeface="+mn-cs"/>
+              </a:defRPr>
+            </a:lvl5pPr>
+            <a:lvl6pPr marL="2514600" indent="-228600" algn="l" defTabSz="914400" rtl="0" eaLnBrk="1" latinLnBrk="0" hangingPunct="1">
+              <a:lnSpc>
+                <a:spcPct val="90000"/>
+              </a:lnSpc>
+              <a:spcBef>
+                <a:spcPts val="500"/>
+              </a:spcBef>
+              <a:buFont typeface="Arial" panose="020B0604020202020204" pitchFamily="34" charset="0"/>
+              <a:buChar char="•"/>
+              <a:defRPr sz="1800" kern="1200">
+                <a:solidFill>
+                  <a:schemeClr val="tx1"/>
+                </a:solidFill>
+                <a:latin typeface="+mn-lt"/>
+                <a:ea typeface="+mn-ea"/>
+                <a:cs typeface="+mn-cs"/>
+              </a:defRPr>
+            </a:lvl6pPr>
+            <a:lvl7pPr marL="2971800" indent="-228600" algn="l" defTabSz="914400" rtl="0" eaLnBrk="1" latinLnBrk="0" hangingPunct="1">
+              <a:lnSpc>
+                <a:spcPct val="90000"/>
+              </a:lnSpc>
+              <a:spcBef>
+                <a:spcPts val="500"/>
+              </a:spcBef>
+              <a:buFont typeface="Arial" panose="020B0604020202020204" pitchFamily="34" charset="0"/>
+              <a:buChar char="•"/>
+              <a:defRPr sz="1800" kern="1200">
+                <a:solidFill>
+                  <a:schemeClr val="tx1"/>
+                </a:solidFill>
+                <a:latin typeface="+mn-lt"/>
+                <a:ea typeface="+mn-ea"/>
+                <a:cs typeface="+mn-cs"/>
+              </a:defRPr>
+            </a:lvl7pPr>
+            <a:lvl8pPr marL="3429000" indent="-228600" algn="l" defTabSz="914400" rtl="0" eaLnBrk="1" latinLnBrk="0" hangingPunct="1">
+              <a:lnSpc>
+                <a:spcPct val="90000"/>
+              </a:lnSpc>
+              <a:spcBef>
+                <a:spcPts val="500"/>
+              </a:spcBef>
+              <a:buFont typeface="Arial" panose="020B0604020202020204" pitchFamily="34" charset="0"/>
+              <a:buChar char="•"/>
+              <a:defRPr sz="1800" kern="1200">
+                <a:solidFill>
+                  <a:schemeClr val="tx1"/>
+                </a:solidFill>
+                <a:latin typeface="+mn-lt"/>
+                <a:ea typeface="+mn-ea"/>
+                <a:cs typeface="+mn-cs"/>
+              </a:defRPr>
+            </a:lvl8pPr>
+            <a:lvl9pPr marL="3886200" indent="-228600" algn="l" defTabSz="914400" rtl="0" eaLnBrk="1" latinLnBrk="0" hangingPunct="1">
+              <a:lnSpc>
+                <a:spcPct val="90000"/>
+              </a:lnSpc>
+              <a:spcBef>
+                <a:spcPts val="500"/>
+              </a:spcBef>
+              <a:buFont typeface="Arial" panose="020B0604020202020204" pitchFamily="34" charset="0"/>
+              <a:buChar char="•"/>
+              <a:defRPr sz="1800" kern="1200">
+                <a:solidFill>
+                  <a:schemeClr val="tx1"/>
+                </a:solidFill>
+                <a:latin typeface="+mn-lt"/>
+                <a:ea typeface="+mn-ea"/>
+                <a:cs typeface="+mn-cs"/>
+              </a:defRPr>
+            </a:lvl9pPr>
+          </a:lstStyle>
+          <a:p>
+            <a:pPr marL="0" marR="0" lvl="0" indent="0" algn="just" defTabSz="914400" rtl="0" eaLnBrk="1" fontAlgn="auto" latinLnBrk="0" hangingPunct="1">
+              <a:lnSpc>
+                <a:spcPct val="90000"/>
+              </a:lnSpc>
+              <a:spcBef>
+                <a:spcPts val="1000"/>
+              </a:spcBef>
+              <a:spcAft>
+                <a:spcPts val="0"/>
+              </a:spcAft>
+              <a:buClrTx/>
+              <a:buSzTx/>
+              <a:buFont typeface="Arial" panose="020B0604020202020204" pitchFamily="34" charset="0"/>
+              <a:buNone/>
+              <a:tabLst/>
+              <a:defRPr/>
+            </a:pPr>
+            <a:r>
+              <a:rPr kumimoji="0" lang="en-US" sz="1600" b="0" i="0" u="none" strike="noStrike" kern="1200" cap="none" spc="0" normalizeH="0" baseline="0" noProof="0" dirty="0">
+                <a:ln>
+                  <a:noFill/>
+                </a:ln>
+                <a:solidFill>
+                  <a:srgbClr val="202124"/>
+                </a:solidFill>
+                <a:effectLst/>
+                <a:uLnTx/>
+                <a:uFillTx/>
+                <a:latin typeface="Century" panose="02040604050505020304" pitchFamily="18" charset="0"/>
+                <a:ea typeface="+mn-ea"/>
+                <a:cs typeface="+mn-cs"/>
+              </a:rPr>
+              <a:t>Here we’ve the cancellation rate of all the dataset. It can be understood that there are a lot of uncanceled booking and that, maybe, we will have to balance the target class.</a:t>
+            </a:r>
+            <a:endParaRPr kumimoji="0" lang="it-IT" sz="1600" b="0" i="0" u="none" strike="noStrike" kern="1200" cap="none" spc="0" normalizeH="0" baseline="0" noProof="0" dirty="0">
+              <a:ln>
+                <a:noFill/>
+              </a:ln>
+              <a:solidFill>
+                <a:prstClr val="black">
+                  <a:lumMod val="75000"/>
+                  <a:lumOff val="25000"/>
+                </a:prstClr>
+              </a:solidFill>
+              <a:effectLst/>
+              <a:uLnTx/>
+              <a:uFillTx/>
+              <a:latin typeface="Century" panose="02040604050505020304" pitchFamily="18" charset="0"/>
+              <a:ea typeface="+mn-ea"/>
+              <a:cs typeface="+mn-cs"/>
+            </a:endParaRPr>
+          </a:p>
+        </p:txBody>
+      </p:sp>
     </p:spTree>
     <p:extLst>
       <p:ext uri="{BB962C8B-B14F-4D97-AF65-F5344CB8AC3E}">
-        <p14:creationId xmlns:p14="http://schemas.microsoft.com/office/powerpoint/2010/main" val="25800700"/>
+        <p14:creationId xmlns:p14="http://schemas.microsoft.com/office/powerpoint/2010/main" val="1120708711"/>
       </p:ext>
     </p:extLst>
   </p:cSld>
@@ -14177,51 +15270,29 @@
             <a:pPr rtl="0"/>
             <a:r>
               <a:rPr lang="it-IT" sz="3600" dirty="0" err="1"/>
-              <a:t>Cancellation</a:t>
+              <a:t>Numeric</a:t>
             </a:r>
             <a:r>
               <a:rPr lang="it-IT" sz="3600" dirty="0"/>
-              <a:t> Rate Distribution</a:t>
-            </a:r>
-          </a:p>
-        </p:txBody>
-      </p:sp>
-      <p:pic>
-        <p:nvPicPr>
-          <p:cNvPr id="6" name="Immagine 5">
-            <a:extLst>
-              <a:ext uri="{FF2B5EF4-FFF2-40B4-BE49-F238E27FC236}">
-                <a16:creationId xmlns:a16="http://schemas.microsoft.com/office/drawing/2014/main" id="{9718B198-6011-45E0-B6B0-275B96F12C66}"/>
-              </a:ext>
-            </a:extLst>
-          </p:cNvPr>
-          <p:cNvPicPr>
-            <a:picLocks noChangeAspect="1"/>
-          </p:cNvPicPr>
-          <p:nvPr/>
-        </p:nvPicPr>
-        <p:blipFill>
-          <a:blip r:embed="rId3"/>
-          <a:stretch>
-            <a:fillRect/>
-          </a:stretch>
-        </p:blipFill>
-        <p:spPr>
-          <a:xfrm>
-            <a:off x="838200" y="1589006"/>
-            <a:ext cx="7227506" cy="4633994"/>
-          </a:xfrm>
-          <a:prstGeom prst="rect">
-            <a:avLst/>
-          </a:prstGeom>
-        </p:spPr>
-      </p:pic>
-      <p:sp>
-        <p:nvSpPr>
-          <p:cNvPr id="4" name="Segnaposto testo 7">
-            <a:extLst>
-              <a:ext uri="{FF2B5EF4-FFF2-40B4-BE49-F238E27FC236}">
-                <a16:creationId xmlns:a16="http://schemas.microsoft.com/office/drawing/2014/main" id="{8E7564AA-5E6F-4E16-ABE5-125E84B87FDD}"/>
+              <a:t> </a:t>
+            </a:r>
+            <a:r>
+              <a:rPr lang="it-IT" sz="3600" dirty="0" err="1"/>
+              <a:t>Variable</a:t>
+            </a:r>
+            <a:r>
+              <a:rPr lang="it-IT" sz="3600" dirty="0"/>
+              <a:t> Distribution</a:t>
+            </a:r>
+          </a:p>
+        </p:txBody>
+      </p:sp>
+      <p:sp>
+        <p:nvSpPr>
+          <p:cNvPr id="5" name="Segnaposto testo 7">
+            <a:extLst>
+              <a:ext uri="{FF2B5EF4-FFF2-40B4-BE49-F238E27FC236}">
+                <a16:creationId xmlns:a16="http://schemas.microsoft.com/office/drawing/2014/main" id="{EABC2602-7808-4453-B7B0-D5BA4846A9AE}"/>
               </a:ext>
             </a:extLst>
           </p:cNvPr>
@@ -14233,7 +15304,7 @@
         <p:spPr>
           <a:xfrm>
             <a:off x="8483600" y="3028511"/>
-            <a:ext cx="2870200" cy="2324539"/>
+            <a:ext cx="2870200" cy="1754983"/>
           </a:xfrm>
           <a:prstGeom prst="rect">
             <a:avLst/>
@@ -14422,44 +15493,93 @@
             </a:lvl9pPr>
           </a:lstStyle>
           <a:p>
-            <a:pPr marL="0" indent="0" algn="just">
+            <a:pPr marL="0" marR="0" lvl="0" indent="0" algn="just" defTabSz="914400" rtl="0" eaLnBrk="1" fontAlgn="auto" latinLnBrk="0" hangingPunct="1">
+              <a:lnSpc>
+                <a:spcPct val="90000"/>
+              </a:lnSpc>
+              <a:spcBef>
+                <a:spcPts val="1000"/>
+              </a:spcBef>
+              <a:spcAft>
+                <a:spcPts val="0"/>
+              </a:spcAft>
+              <a:buClrTx/>
+              <a:buSzTx/>
               <a:buFont typeface="Arial" panose="020B0604020202020204" pitchFamily="34" charset="0"/>
               <a:buNone/>
+              <a:tabLst/>
+              <a:defRPr/>
             </a:pPr>
             <a:r>
-              <a:rPr lang="en-US" sz="1600" dirty="0">
+              <a:rPr kumimoji="0" lang="en-US" sz="1600" b="0" i="0" u="none" strike="noStrike" kern="1200" cap="none" spc="0" normalizeH="0" baseline="0" noProof="0" dirty="0">
+                <a:ln>
+                  <a:noFill/>
+                </a:ln>
                 <a:solidFill>
                   <a:srgbClr val="202124"/>
                 </a:solidFill>
+                <a:effectLst/>
+                <a:uLnTx/>
+                <a:uFillTx/>
                 <a:latin typeface="Century" panose="02040604050505020304" pitchFamily="18" charset="0"/>
+                <a:ea typeface="+mn-ea"/>
+                <a:cs typeface="+mn-cs"/>
               </a:rPr>
               <a:t>Here we’ve the cancellation rate of all the dataset. It can be understood that there are a lot of uncanceled booking and that, maybe, we will have to balance the target class.</a:t>
             </a:r>
-          </a:p>
-          <a:p>
-            <a:pPr marL="0" indent="0" algn="just">
-              <a:buFont typeface="Arial" panose="020B0604020202020204" pitchFamily="34" charset="0"/>
-              <a:buNone/>
-            </a:pPr>
-            <a:r>
-              <a:rPr lang="en-US" sz="1600" b="1" dirty="0">
-                <a:solidFill>
-                  <a:srgbClr val="202124"/>
-                </a:solidFill>
-                <a:latin typeface="Century" panose="02040604050505020304" pitchFamily="18" charset="0"/>
-              </a:rPr>
-              <a:t>We decided to balance the classes.</a:t>
-            </a:r>
-            <a:endParaRPr lang="it-IT" sz="1600" b="1" dirty="0">
+            <a:endParaRPr kumimoji="0" lang="it-IT" sz="1600" b="0" i="0" u="none" strike="noStrike" kern="1200" cap="none" spc="0" normalizeH="0" baseline="0" noProof="0" dirty="0">
+              <a:ln>
+                <a:noFill/>
+              </a:ln>
+              <a:solidFill>
+                <a:prstClr val="black">
+                  <a:lumMod val="75000"/>
+                  <a:lumOff val="25000"/>
+                </a:prstClr>
+              </a:solidFill>
+              <a:effectLst/>
+              <a:uLnTx/>
+              <a:uFillTx/>
               <a:latin typeface="Century" panose="02040604050505020304" pitchFamily="18" charset="0"/>
+              <a:ea typeface="+mn-ea"/>
+              <a:cs typeface="+mn-cs"/>
             </a:endParaRPr>
           </a:p>
         </p:txBody>
       </p:sp>
+      <p:pic>
+        <p:nvPicPr>
+          <p:cNvPr id="6" name="Immagine 5">
+            <a:extLst>
+              <a:ext uri="{FF2B5EF4-FFF2-40B4-BE49-F238E27FC236}">
+                <a16:creationId xmlns:a16="http://schemas.microsoft.com/office/drawing/2014/main" id="{1D7225F4-1D1F-4998-BDD0-B5EA427C30DC}"/>
+              </a:ext>
+            </a:extLst>
+          </p:cNvPr>
+          <p:cNvPicPr>
+            <a:picLocks noChangeAspect="1"/>
+          </p:cNvPicPr>
+          <p:nvPr/>
+        </p:nvPicPr>
+        <p:blipFill rotWithShape="1">
+          <a:blip r:embed="rId3"/>
+          <a:srcRect t="63476" b="-557"/>
+          <a:stretch/>
+        </p:blipFill>
+        <p:spPr>
+          <a:xfrm>
+            <a:off x="1189478" y="2472428"/>
+            <a:ext cx="6682314" cy="2854945"/>
+          </a:xfrm>
+          <a:prstGeom prst="rect">
+            <a:avLst/>
+          </a:prstGeom>
+        </p:spPr>
+      </p:pic>
     </p:spTree>
     <p:extLst>
       <p:ext uri="{BB962C8B-B14F-4D97-AF65-F5344CB8AC3E}">
-        <p14:creationId xmlns:p14="http://schemas.microsoft.com/office/powerpoint/2010/main" val="1627989416"/>
+        <p14:creationId xmlns:p14="http://schemas.microsoft.com/office/powerpoint/2010/main" val="3654588344"/>
       </p:ext>
     </p:extLst>
   </p:cSld>
@@ -14518,21 +15638,21 @@
             <a:pPr rtl="0"/>
             <a:r>
               <a:rPr lang="it-IT" sz="3600" dirty="0" err="1"/>
-              <a:t>Datetime</a:t>
+              <a:t>Cancellation</a:t>
             </a:r>
             <a:r>
               <a:rPr lang="it-IT" sz="3600" dirty="0"/>
-              <a:t> Hotel Distribution</a:t>
+              <a:t> Rate Distribution</a:t>
             </a:r>
           </a:p>
         </p:txBody>
       </p:sp>
       <p:pic>
         <p:nvPicPr>
-          <p:cNvPr id="3" name="Immagine 2">
-            <a:extLst>
-              <a:ext uri="{FF2B5EF4-FFF2-40B4-BE49-F238E27FC236}">
-                <a16:creationId xmlns:a16="http://schemas.microsoft.com/office/drawing/2014/main" id="{50D8BF3D-157E-4B89-984F-464E618CA603}"/>
+          <p:cNvPr id="6" name="Immagine 5">
+            <a:extLst>
+              <a:ext uri="{FF2B5EF4-FFF2-40B4-BE49-F238E27FC236}">
+                <a16:creationId xmlns:a16="http://schemas.microsoft.com/office/drawing/2014/main" id="{9718B198-6011-45E0-B6B0-275B96F12C66}"/>
               </a:ext>
             </a:extLst>
           </p:cNvPr>
@@ -14549,8 +15669,8 @@
         </p:blipFill>
         <p:spPr>
           <a:xfrm>
-            <a:off x="838200" y="1893524"/>
-            <a:ext cx="7594600" cy="3735455"/>
+            <a:off x="838200" y="1589006"/>
+            <a:ext cx="7227506" cy="4633994"/>
           </a:xfrm>
           <a:prstGeom prst="rect">
             <a:avLst/>
@@ -14562,7 +15682,7 @@
           <p:cNvPr id="4" name="Segnaposto testo 7">
             <a:extLst>
               <a:ext uri="{FF2B5EF4-FFF2-40B4-BE49-F238E27FC236}">
-                <a16:creationId xmlns:a16="http://schemas.microsoft.com/office/drawing/2014/main" id="{4444752F-78C9-4621-8C1F-8C513DC82444}"/>
+                <a16:creationId xmlns:a16="http://schemas.microsoft.com/office/drawing/2014/main" id="{8E7564AA-5E6F-4E16-ABE5-125E84B87FDD}"/>
               </a:ext>
             </a:extLst>
           </p:cNvPr>
@@ -14573,8 +15693,8 @@
         </p:nvSpPr>
         <p:spPr>
           <a:xfrm>
-            <a:off x="8483600" y="2883759"/>
-            <a:ext cx="2870200" cy="1754983"/>
+            <a:off x="8483600" y="3028511"/>
+            <a:ext cx="2870200" cy="2324539"/>
           </a:xfrm>
           <a:prstGeom prst="rect">
             <a:avLst/>
@@ -14774,9 +15894,24 @@
                 </a:solidFill>
                 <a:latin typeface="Century" panose="02040604050505020304" pitchFamily="18" charset="0"/>
               </a:rPr>
-              <a:t>We can see the differences, by date, of the price per night for the two types of structures in the dataset.</a:t>
-            </a:r>
-            <a:endParaRPr lang="it-IT" sz="1600" dirty="0">
+              <a:t>Here we’ve the cancellation rate of all the dataset. It can be understood that there are a lot of uncanceled booking and that, maybe, we will have to balance the target class.</a:t>
+            </a:r>
+          </a:p>
+          <a:p>
+            <a:pPr marL="0" indent="0" algn="just">
+              <a:buFont typeface="Arial" panose="020B0604020202020204" pitchFamily="34" charset="0"/>
+              <a:buNone/>
+            </a:pPr>
+            <a:r>
+              <a:rPr lang="en-US" sz="1600" b="1" dirty="0">
+                <a:solidFill>
+                  <a:srgbClr val="202124"/>
+                </a:solidFill>
+                <a:latin typeface="Century" panose="02040604050505020304" pitchFamily="18" charset="0"/>
+              </a:rPr>
+              <a:t>We decided to balance the classes.</a:t>
+            </a:r>
+            <a:endParaRPr lang="it-IT" sz="1600" b="1" dirty="0">
               <a:latin typeface="Century" panose="02040604050505020304" pitchFamily="18" charset="0"/>
             </a:endParaRPr>
           </a:p>
@@ -14785,7 +15920,7 @@
     </p:spTree>
     <p:extLst>
       <p:ext uri="{BB962C8B-B14F-4D97-AF65-F5344CB8AC3E}">
-        <p14:creationId xmlns:p14="http://schemas.microsoft.com/office/powerpoint/2010/main" val="4246060838"/>
+        <p14:creationId xmlns:p14="http://schemas.microsoft.com/office/powerpoint/2010/main" val="1627989416"/>
       </p:ext>
     </p:extLst>
   </p:cSld>
@@ -14844,29 +15979,21 @@
             <a:pPr rtl="0"/>
             <a:r>
               <a:rPr lang="it-IT" sz="3600" dirty="0" err="1"/>
-              <a:t>Different</a:t>
+              <a:t>Datetime</a:t>
             </a:r>
             <a:r>
               <a:rPr lang="it-IT" sz="3600" dirty="0"/>
-              <a:t> </a:t>
-            </a:r>
-            <a:r>
-              <a:rPr lang="it-IT" sz="3600" dirty="0" err="1"/>
-              <a:t>Type</a:t>
-            </a:r>
-            <a:r>
-              <a:rPr lang="it-IT" sz="3600" dirty="0"/>
-              <a:t> of Treatment</a:t>
+              <a:t> Hotel Distribution</a:t>
             </a:r>
           </a:p>
         </p:txBody>
       </p:sp>
       <p:pic>
         <p:nvPicPr>
-          <p:cNvPr id="4" name="Immagine 3">
-            <a:extLst>
-              <a:ext uri="{FF2B5EF4-FFF2-40B4-BE49-F238E27FC236}">
-                <a16:creationId xmlns:a16="http://schemas.microsoft.com/office/drawing/2014/main" id="{87FD8580-D9F5-4529-B0E9-D9E3A96D5EB0}"/>
+          <p:cNvPr id="3" name="Immagine 2">
+            <a:extLst>
+              <a:ext uri="{FF2B5EF4-FFF2-40B4-BE49-F238E27FC236}">
+                <a16:creationId xmlns:a16="http://schemas.microsoft.com/office/drawing/2014/main" id="{50D8BF3D-157E-4B89-984F-464E618CA603}"/>
               </a:ext>
             </a:extLst>
           </p:cNvPr>
@@ -14883,8 +16010,8 @@
         </p:blipFill>
         <p:spPr>
           <a:xfrm>
-            <a:off x="838200" y="1604091"/>
-            <a:ext cx="6779149" cy="4536359"/>
+            <a:off x="838200" y="1893524"/>
+            <a:ext cx="7594600" cy="3735455"/>
           </a:xfrm>
           <a:prstGeom prst="rect">
             <a:avLst/>
@@ -14893,10 +16020,10 @@
       </p:pic>
       <p:sp>
         <p:nvSpPr>
-          <p:cNvPr id="5" name="Segnaposto testo 7">
-            <a:extLst>
-              <a:ext uri="{FF2B5EF4-FFF2-40B4-BE49-F238E27FC236}">
-                <a16:creationId xmlns:a16="http://schemas.microsoft.com/office/drawing/2014/main" id="{7783376A-BCEA-4409-B8B5-8A94C6A1FBA8}"/>
+          <p:cNvPr id="4" name="Segnaposto testo 7">
+            <a:extLst>
+              <a:ext uri="{FF2B5EF4-FFF2-40B4-BE49-F238E27FC236}">
+                <a16:creationId xmlns:a16="http://schemas.microsoft.com/office/drawing/2014/main" id="{4444752F-78C9-4621-8C1F-8C513DC82444}"/>
               </a:ext>
             </a:extLst>
           </p:cNvPr>
@@ -14907,8 +16034,8 @@
         </p:nvSpPr>
         <p:spPr>
           <a:xfrm>
-            <a:off x="8280400" y="2724884"/>
-            <a:ext cx="3073400" cy="2294772"/>
+            <a:off x="8483600" y="2883759"/>
+            <a:ext cx="2870200" cy="1754983"/>
           </a:xfrm>
           <a:prstGeom prst="rect">
             <a:avLst/>
@@ -15108,55 +16235,7 @@
                 </a:solidFill>
                 <a:latin typeface="Century" panose="02040604050505020304" pitchFamily="18" charset="0"/>
               </a:rPr>
-              <a:t>Here we have the number of bookings divided by type of treatment.</a:t>
-            </a:r>
-          </a:p>
-          <a:p>
-            <a:pPr algn="just"/>
-            <a:r>
-              <a:rPr lang="en-US" sz="1600" dirty="0">
-                <a:solidFill>
-                  <a:srgbClr val="202124"/>
-                </a:solidFill>
-                <a:latin typeface="Century" panose="02040604050505020304" pitchFamily="18" charset="0"/>
-              </a:rPr>
-              <a:t>BB: Bed and Breakfast</a:t>
-            </a:r>
-          </a:p>
-          <a:p>
-            <a:pPr algn="just"/>
-            <a:r>
-              <a:rPr lang="en-US" sz="1600" dirty="0">
-                <a:solidFill>
-                  <a:srgbClr val="202124"/>
-                </a:solidFill>
-                <a:latin typeface="Century" panose="02040604050505020304" pitchFamily="18" charset="0"/>
-              </a:rPr>
-              <a:t>FB: Full Board</a:t>
-            </a:r>
-          </a:p>
-          <a:p>
-            <a:pPr algn="just"/>
-            <a:r>
-              <a:rPr lang="en-US" sz="1600" dirty="0">
-                <a:solidFill>
-                  <a:srgbClr val="202124"/>
-                </a:solidFill>
-                <a:latin typeface="Century" panose="02040604050505020304" pitchFamily="18" charset="0"/>
-              </a:rPr>
-              <a:t>HB: Half Board</a:t>
-            </a:r>
-          </a:p>
-          <a:p>
-            <a:pPr algn="just"/>
-            <a:r>
-              <a:rPr lang="en-US" sz="1600" dirty="0">
-                <a:solidFill>
-                  <a:srgbClr val="202124"/>
-                </a:solidFill>
-                <a:latin typeface="Century" panose="02040604050505020304" pitchFamily="18" charset="0"/>
-              </a:rPr>
-              <a:t>SC: No Meal</a:t>
+              <a:t>We can see the differences, by date, of the price per night for the two types of structures in the dataset.</a:t>
             </a:r>
             <a:endParaRPr lang="it-IT" sz="1600" dirty="0">
               <a:latin typeface="Century" panose="02040604050505020304" pitchFamily="18" charset="0"/>
@@ -15167,7 +16246,7 @@
     </p:spTree>
     <p:extLst>
       <p:ext uri="{BB962C8B-B14F-4D97-AF65-F5344CB8AC3E}">
-        <p14:creationId xmlns:p14="http://schemas.microsoft.com/office/powerpoint/2010/main" val="2024063307"/>
+        <p14:creationId xmlns:p14="http://schemas.microsoft.com/office/powerpoint/2010/main" val="4246060838"/>
       </p:ext>
     </p:extLst>
   </p:cSld>
@@ -15999,21 +17078,21 @@
 </file>
 
 <file path=customXml/item1.xml><?xml version="1.0" encoding="utf-8"?>
+<p:properties xmlns:p="http://schemas.microsoft.com/office/2006/metadata/properties" xmlns:xsi="http://www.w3.org/2001/XMLSchema-instance" xmlns:pc="http://schemas.microsoft.com/office/infopath/2007/PartnerControls">
+  <documentManagement>
+    <Status xmlns="71af3243-3dd4-4a8d-8c0d-dd76da1f02a5">Not started</Status>
+    <MediaServiceKeyPoints xmlns="71af3243-3dd4-4a8d-8c0d-dd76da1f02a5" xsi:nil="true"/>
+  </documentManagement>
+</p:properties>
+</file>
+
+<file path=customXml/item2.xml><?xml version="1.0" encoding="utf-8"?>
 <?mso-contentType ?>
 <FormTemplates xmlns="http://schemas.microsoft.com/sharepoint/v3/contenttype/forms">
   <Display>DocumentLibraryForm</Display>
   <Edit>DocumentLibraryForm</Edit>
   <New>DocumentLibraryForm</New>
 </FormTemplates>
-</file>
-
-<file path=customXml/item2.xml><?xml version="1.0" encoding="utf-8"?>
-<p:properties xmlns:p="http://schemas.microsoft.com/office/2006/metadata/properties" xmlns:xsi="http://www.w3.org/2001/XMLSchema-instance" xmlns:pc="http://schemas.microsoft.com/office/infopath/2007/PartnerControls">
-  <documentManagement>
-    <Status xmlns="71af3243-3dd4-4a8d-8c0d-dd76da1f02a5">Not started</Status>
-    <MediaServiceKeyPoints xmlns="71af3243-3dd4-4a8d-8c0d-dd76da1f02a5" xsi:nil="true"/>
-  </documentManagement>
-</p:properties>
 </file>
 
 <file path=customXml/item3.xml><?xml version="1.0" encoding="utf-8"?>
@@ -16238,19 +17317,19 @@
 </file>
 
 <file path=customXml/itemProps1.xml><?xml version="1.0" encoding="utf-8"?>
-<ds:datastoreItem xmlns:ds="http://schemas.openxmlformats.org/officeDocument/2006/customXml" ds:itemID="{05D99ABA-76CE-4A8E-B5F0-C051B96628DE}">
+<ds:datastoreItem xmlns:ds="http://schemas.openxmlformats.org/officeDocument/2006/customXml" ds:itemID="{4DEA9014-ED64-4558-B1E1-D03F0EE32BEB}">
   <ds:schemaRefs>
-    <ds:schemaRef ds:uri="http://schemas.microsoft.com/sharepoint/v3/contenttype/forms"/>
+    <ds:schemaRef ds:uri="http://schemas.microsoft.com/office/2006/metadata/properties"/>
+    <ds:schemaRef ds:uri="http://schemas.microsoft.com/office/infopath/2007/PartnerControls"/>
+    <ds:schemaRef ds:uri="71af3243-3dd4-4a8d-8c0d-dd76da1f02a5"/>
   </ds:schemaRefs>
 </ds:datastoreItem>
 </file>
 
 <file path=customXml/itemProps2.xml><?xml version="1.0" encoding="utf-8"?>
-<ds:datastoreItem xmlns:ds="http://schemas.openxmlformats.org/officeDocument/2006/customXml" ds:itemID="{4DEA9014-ED64-4558-B1E1-D03F0EE32BEB}">
+<ds:datastoreItem xmlns:ds="http://schemas.openxmlformats.org/officeDocument/2006/customXml" ds:itemID="{05D99ABA-76CE-4A8E-B5F0-C051B96628DE}">
   <ds:schemaRefs>
-    <ds:schemaRef ds:uri="http://schemas.microsoft.com/office/2006/metadata/properties"/>
-    <ds:schemaRef ds:uri="http://schemas.microsoft.com/office/infopath/2007/PartnerControls"/>
-    <ds:schemaRef ds:uri="71af3243-3dd4-4a8d-8c0d-dd76da1f02a5"/>
+    <ds:schemaRef ds:uri="http://schemas.microsoft.com/sharepoint/v3/contenttype/forms"/>
   </ds:schemaRefs>
 </ds:datastoreItem>
 </file>
